--- a/你坐著為王.pptx
+++ b/你坐著為王.pptx
@@ -8,7 +8,7 @@
     <p:sldId id="256" r:id="rId2"/>
     <p:sldId id="257" r:id="rId3"/>
   </p:sldIdLst>
-  <p:sldSz cx="9144000" cy="6858000" type="screen4x3"/>
+  <p:sldSz cx="9144000" cy="5143500" type="screen16x9"/>
   <p:notesSz cx="6858000" cy="9144000"/>
   <p:defaultTextStyle>
     <a:defPPr>
@@ -137,8 +137,8 @@
         </p:nvSpPr>
         <p:spPr>
           <a:xfrm>
-            <a:off x="685800" y="2130425"/>
-            <a:ext cx="7772400" cy="1470025"/>
+            <a:off x="685800" y="1597819"/>
+            <a:ext cx="7772400" cy="1102519"/>
           </a:xfrm>
         </p:spPr>
         <p:txBody>
@@ -165,8 +165,8 @@
         </p:nvSpPr>
         <p:spPr>
           <a:xfrm>
-            <a:off x="1371600" y="3886200"/>
-            <a:ext cx="6400800" cy="1752600"/>
+            <a:off x="1371600" y="2914650"/>
+            <a:ext cx="6400800" cy="1314450"/>
           </a:xfrm>
         </p:spPr>
         <p:txBody>
@@ -290,7 +290,7 @@
             <a:fld id="{9A8E5DD9-FF23-4686-8700-DF224CFA5617}" type="datetimeFigureOut">
               <a:rPr lang="zh-TW" altLang="en-US" smtClean="0"/>
               <a:pPr/>
-              <a:t>2017/9/9</a:t>
+              <a:t>2019/7/20</a:t>
             </a:fld>
             <a:endParaRPr lang="zh-TW" altLang="en-US"/>
           </a:p>
@@ -457,7 +457,7 @@
             <a:fld id="{9A8E5DD9-FF23-4686-8700-DF224CFA5617}" type="datetimeFigureOut">
               <a:rPr lang="zh-TW" altLang="en-US" smtClean="0"/>
               <a:pPr/>
-              <a:t>2017/9/9</a:t>
+              <a:t>2019/7/20</a:t>
             </a:fld>
             <a:endParaRPr lang="zh-TW" altLang="en-US"/>
           </a:p>
@@ -543,8 +543,8 @@
         </p:nvSpPr>
         <p:spPr>
           <a:xfrm>
-            <a:off x="6629400" y="274638"/>
-            <a:ext cx="2057400" cy="5851525"/>
+            <a:off x="6629400" y="205979"/>
+            <a:ext cx="2057400" cy="4388644"/>
           </a:xfrm>
         </p:spPr>
         <p:txBody>
@@ -571,8 +571,8 @@
         </p:nvSpPr>
         <p:spPr>
           <a:xfrm>
-            <a:off x="457200" y="274638"/>
-            <a:ext cx="6019800" cy="5851525"/>
+            <a:off x="457200" y="205979"/>
+            <a:ext cx="6019800" cy="4388644"/>
           </a:xfrm>
         </p:spPr>
         <p:txBody>
@@ -634,7 +634,7 @@
             <a:fld id="{9A8E5DD9-FF23-4686-8700-DF224CFA5617}" type="datetimeFigureOut">
               <a:rPr lang="zh-TW" altLang="en-US" smtClean="0"/>
               <a:pPr/>
-              <a:t>2017/9/9</a:t>
+              <a:t>2019/7/20</a:t>
             </a:fld>
             <a:endParaRPr lang="zh-TW" altLang="en-US"/>
           </a:p>
@@ -801,7 +801,7 @@
             <a:fld id="{9A8E5DD9-FF23-4686-8700-DF224CFA5617}" type="datetimeFigureOut">
               <a:rPr lang="zh-TW" altLang="en-US" smtClean="0"/>
               <a:pPr/>
-              <a:t>2017/9/9</a:t>
+              <a:t>2019/7/20</a:t>
             </a:fld>
             <a:endParaRPr lang="zh-TW" altLang="en-US"/>
           </a:p>
@@ -887,8 +887,8 @@
         </p:nvSpPr>
         <p:spPr>
           <a:xfrm>
-            <a:off x="722313" y="4406900"/>
-            <a:ext cx="7772400" cy="1362075"/>
+            <a:off x="722313" y="3305176"/>
+            <a:ext cx="7772400" cy="1021556"/>
           </a:xfrm>
         </p:spPr>
         <p:txBody>
@@ -919,8 +919,8 @@
         </p:nvSpPr>
         <p:spPr>
           <a:xfrm>
-            <a:off x="722313" y="2906713"/>
-            <a:ext cx="7772400" cy="1500187"/>
+            <a:off x="722313" y="2180035"/>
+            <a:ext cx="7772400" cy="1125140"/>
           </a:xfrm>
         </p:spPr>
         <p:txBody>
@@ -1044,7 +1044,7 @@
             <a:fld id="{9A8E5DD9-FF23-4686-8700-DF224CFA5617}" type="datetimeFigureOut">
               <a:rPr lang="zh-TW" altLang="en-US" smtClean="0"/>
               <a:pPr/>
-              <a:t>2017/9/9</a:t>
+              <a:t>2019/7/20</a:t>
             </a:fld>
             <a:endParaRPr lang="zh-TW" altLang="en-US"/>
           </a:p>
@@ -1153,8 +1153,8 @@
         </p:nvSpPr>
         <p:spPr>
           <a:xfrm>
-            <a:off x="457200" y="1600200"/>
-            <a:ext cx="4038600" cy="4525963"/>
+            <a:off x="457200" y="1200151"/>
+            <a:ext cx="4038600" cy="3394472"/>
           </a:xfrm>
         </p:spPr>
         <p:txBody>
@@ -1238,8 +1238,8 @@
         </p:nvSpPr>
         <p:spPr>
           <a:xfrm>
-            <a:off x="4648200" y="1600200"/>
-            <a:ext cx="4038600" cy="4525963"/>
+            <a:off x="4648200" y="1200151"/>
+            <a:ext cx="4038600" cy="3394472"/>
           </a:xfrm>
         </p:spPr>
         <p:txBody>
@@ -1329,7 +1329,7 @@
             <a:fld id="{9A8E5DD9-FF23-4686-8700-DF224CFA5617}" type="datetimeFigureOut">
               <a:rPr lang="zh-TW" altLang="en-US" smtClean="0"/>
               <a:pPr/>
-              <a:t>2017/9/9</a:t>
+              <a:t>2019/7/20</a:t>
             </a:fld>
             <a:endParaRPr lang="zh-TW" altLang="en-US"/>
           </a:p>
@@ -1442,8 +1442,8 @@
         </p:nvSpPr>
         <p:spPr>
           <a:xfrm>
-            <a:off x="457200" y="1535113"/>
-            <a:ext cx="4040188" cy="639762"/>
+            <a:off x="457200" y="1151335"/>
+            <a:ext cx="4040188" cy="479822"/>
           </a:xfrm>
         </p:spPr>
         <p:txBody>
@@ -1507,8 +1507,8 @@
         </p:nvSpPr>
         <p:spPr>
           <a:xfrm>
-            <a:off x="457200" y="2174875"/>
-            <a:ext cx="4040188" cy="3951288"/>
+            <a:off x="457200" y="1631156"/>
+            <a:ext cx="4040188" cy="2963466"/>
           </a:xfrm>
         </p:spPr>
         <p:txBody>
@@ -1592,8 +1592,8 @@
         </p:nvSpPr>
         <p:spPr>
           <a:xfrm>
-            <a:off x="4645025" y="1535113"/>
-            <a:ext cx="4041775" cy="639762"/>
+            <a:off x="4645026" y="1151335"/>
+            <a:ext cx="4041775" cy="479822"/>
           </a:xfrm>
         </p:spPr>
         <p:txBody>
@@ -1657,8 +1657,8 @@
         </p:nvSpPr>
         <p:spPr>
           <a:xfrm>
-            <a:off x="4645025" y="2174875"/>
-            <a:ext cx="4041775" cy="3951288"/>
+            <a:off x="4645026" y="1631156"/>
+            <a:ext cx="4041775" cy="2963466"/>
           </a:xfrm>
         </p:spPr>
         <p:txBody>
@@ -1748,7 +1748,7 @@
             <a:fld id="{9A8E5DD9-FF23-4686-8700-DF224CFA5617}" type="datetimeFigureOut">
               <a:rPr lang="zh-TW" altLang="en-US" smtClean="0"/>
               <a:pPr/>
-              <a:t>2017/9/9</a:t>
+              <a:t>2019/7/20</a:t>
             </a:fld>
             <a:endParaRPr lang="zh-TW" altLang="en-US"/>
           </a:p>
@@ -1863,7 +1863,7 @@
             <a:fld id="{9A8E5DD9-FF23-4686-8700-DF224CFA5617}" type="datetimeFigureOut">
               <a:rPr lang="zh-TW" altLang="en-US" smtClean="0"/>
               <a:pPr/>
-              <a:t>2017/9/9</a:t>
+              <a:t>2019/7/20</a:t>
             </a:fld>
             <a:endParaRPr lang="zh-TW" altLang="en-US"/>
           </a:p>
@@ -1955,7 +1955,7 @@
             <a:fld id="{9A8E5DD9-FF23-4686-8700-DF224CFA5617}" type="datetimeFigureOut">
               <a:rPr lang="zh-TW" altLang="en-US" smtClean="0"/>
               <a:pPr/>
-              <a:t>2017/9/9</a:t>
+              <a:t>2019/7/20</a:t>
             </a:fld>
             <a:endParaRPr lang="zh-TW" altLang="en-US"/>
           </a:p>
@@ -2041,8 +2041,8 @@
         </p:nvSpPr>
         <p:spPr>
           <a:xfrm>
-            <a:off x="457200" y="273050"/>
-            <a:ext cx="3008313" cy="1162050"/>
+            <a:off x="457201" y="204787"/>
+            <a:ext cx="3008313" cy="871538"/>
           </a:xfrm>
         </p:spPr>
         <p:txBody>
@@ -2073,8 +2073,8 @@
         </p:nvSpPr>
         <p:spPr>
           <a:xfrm>
-            <a:off x="3575050" y="273050"/>
-            <a:ext cx="5111750" cy="5853113"/>
+            <a:off x="3575050" y="204788"/>
+            <a:ext cx="5111750" cy="4389835"/>
           </a:xfrm>
         </p:spPr>
         <p:txBody>
@@ -2158,8 +2158,8 @@
         </p:nvSpPr>
         <p:spPr>
           <a:xfrm>
-            <a:off x="457200" y="1435100"/>
-            <a:ext cx="3008313" cy="4691063"/>
+            <a:off x="457201" y="1076326"/>
+            <a:ext cx="3008313" cy="3518297"/>
           </a:xfrm>
         </p:spPr>
         <p:txBody>
@@ -2229,7 +2229,7 @@
             <a:fld id="{9A8E5DD9-FF23-4686-8700-DF224CFA5617}" type="datetimeFigureOut">
               <a:rPr lang="zh-TW" altLang="en-US" smtClean="0"/>
               <a:pPr/>
-              <a:t>2017/9/9</a:t>
+              <a:t>2019/7/20</a:t>
             </a:fld>
             <a:endParaRPr lang="zh-TW" altLang="en-US"/>
           </a:p>
@@ -2315,8 +2315,8 @@
         </p:nvSpPr>
         <p:spPr>
           <a:xfrm>
-            <a:off x="1792288" y="4800600"/>
-            <a:ext cx="5486400" cy="566738"/>
+            <a:off x="1792288" y="3600450"/>
+            <a:ext cx="5486400" cy="425054"/>
           </a:xfrm>
         </p:spPr>
         <p:txBody>
@@ -2347,8 +2347,8 @@
         </p:nvSpPr>
         <p:spPr>
           <a:xfrm>
-            <a:off x="1792288" y="612775"/>
-            <a:ext cx="5486400" cy="4114800"/>
+            <a:off x="1792288" y="459581"/>
+            <a:ext cx="5486400" cy="3086100"/>
           </a:xfrm>
         </p:spPr>
         <p:txBody>
@@ -2412,8 +2412,8 @@
         </p:nvSpPr>
         <p:spPr>
           <a:xfrm>
-            <a:off x="1792288" y="5367338"/>
-            <a:ext cx="5486400" cy="804862"/>
+            <a:off x="1792288" y="4025503"/>
+            <a:ext cx="5486400" cy="603647"/>
           </a:xfrm>
         </p:spPr>
         <p:txBody>
@@ -2483,7 +2483,7 @@
             <a:fld id="{9A8E5DD9-FF23-4686-8700-DF224CFA5617}" type="datetimeFigureOut">
               <a:rPr lang="zh-TW" altLang="en-US" smtClean="0"/>
               <a:pPr/>
-              <a:t>2017/9/9</a:t>
+              <a:t>2019/7/20</a:t>
             </a:fld>
             <a:endParaRPr lang="zh-TW" altLang="en-US"/>
           </a:p>
@@ -2579,8 +2579,8 @@
         </p:nvSpPr>
         <p:spPr>
           <a:xfrm>
-            <a:off x="457200" y="274638"/>
-            <a:ext cx="8229600" cy="1143000"/>
+            <a:off x="457200" y="205979"/>
+            <a:ext cx="8229600" cy="857250"/>
           </a:xfrm>
           <a:prstGeom prst="rect">
             <a:avLst/>
@@ -2612,8 +2612,8 @@
         </p:nvSpPr>
         <p:spPr>
           <a:xfrm>
-            <a:off x="457200" y="1600200"/>
-            <a:ext cx="8229600" cy="4525963"/>
+            <a:off x="457200" y="1200151"/>
+            <a:ext cx="8229600" cy="3394472"/>
           </a:xfrm>
           <a:prstGeom prst="rect">
             <a:avLst/>
@@ -2674,8 +2674,8 @@
         </p:nvSpPr>
         <p:spPr>
           <a:xfrm>
-            <a:off x="457200" y="6356350"/>
-            <a:ext cx="2133600" cy="365125"/>
+            <a:off x="457200" y="4767263"/>
+            <a:ext cx="2133600" cy="273844"/>
           </a:xfrm>
           <a:prstGeom prst="rect">
             <a:avLst/>
@@ -2698,7 +2698,7 @@
             <a:fld id="{9A8E5DD9-FF23-4686-8700-DF224CFA5617}" type="datetimeFigureOut">
               <a:rPr lang="zh-TW" altLang="en-US" smtClean="0"/>
               <a:pPr/>
-              <a:t>2017/9/9</a:t>
+              <a:t>2019/7/20</a:t>
             </a:fld>
             <a:endParaRPr lang="zh-TW" altLang="en-US"/>
           </a:p>
@@ -2716,8 +2716,8 @@
         </p:nvSpPr>
         <p:spPr>
           <a:xfrm>
-            <a:off x="3124200" y="6356350"/>
-            <a:ext cx="2895600" cy="365125"/>
+            <a:off x="3124200" y="4767263"/>
+            <a:ext cx="2895600" cy="273844"/>
           </a:xfrm>
           <a:prstGeom prst="rect">
             <a:avLst/>
@@ -2753,8 +2753,8 @@
         </p:nvSpPr>
         <p:spPr>
           <a:xfrm>
-            <a:off x="6553200" y="6356350"/>
-            <a:ext cx="2133600" cy="365125"/>
+            <a:off x="6553200" y="4767263"/>
+            <a:ext cx="2133600" cy="273844"/>
           </a:xfrm>
           <a:prstGeom prst="rect">
             <a:avLst/>
@@ -3081,11 +3081,13 @@
         </p:nvSpPr>
         <p:spPr/>
         <p:txBody>
-          <a:bodyPr/>
-          <a:lstStyle/>
-          <a:p>
-            <a:r>
-              <a:rPr lang="zh-TW" altLang="en-US" b="1" dirty="0">
+          <a:bodyPr>
+            <a:normAutofit/>
+          </a:bodyPr>
+          <a:lstStyle/>
+          <a:p>
+            <a:r>
+              <a:rPr lang="zh-TW" altLang="en-US" sz="4000" b="1" dirty="0">
                 <a:solidFill>
                   <a:srgbClr val="000066"/>
                 </a:solidFill>
@@ -3118,7 +3120,7 @@
               <a:buNone/>
             </a:pPr>
             <a:r>
-              <a:rPr lang="zh-TW" altLang="en-US" sz="5400" b="1" dirty="0">
+              <a:rPr lang="zh-TW" altLang="en-US" sz="4800" b="1" dirty="0">
                 <a:solidFill>
                   <a:srgbClr val="000066"/>
                 </a:solidFill>
@@ -3128,7 +3130,7 @@
               <a:t>主</a:t>
             </a:r>
             <a:r>
-              <a:rPr lang="zh-TW" altLang="en-US" sz="5400" b="1" dirty="0" smtClean="0">
+              <a:rPr lang="zh-TW" altLang="en-US" sz="4800" b="1" dirty="0" smtClean="0">
                 <a:solidFill>
                   <a:srgbClr val="000066"/>
                 </a:solidFill>
@@ -3138,7 +3140,7 @@
               <a:t>耶和華  滿</a:t>
             </a:r>
             <a:r>
-              <a:rPr lang="zh-TW" altLang="en-US" sz="5400" b="1" dirty="0">
+              <a:rPr lang="zh-TW" altLang="en-US" sz="4800" b="1" dirty="0">
                 <a:solidFill>
                   <a:srgbClr val="000066"/>
                 </a:solidFill>
@@ -3148,7 +3150,7 @@
               <a:t>有憐憫和</a:t>
             </a:r>
             <a:r>
-              <a:rPr lang="zh-TW" altLang="en-US" sz="5400" b="1" dirty="0" smtClean="0">
+              <a:rPr lang="zh-TW" altLang="en-US" sz="4800" b="1" dirty="0" smtClean="0">
                 <a:solidFill>
                   <a:srgbClr val="000066"/>
                 </a:solidFill>
@@ -3157,7 +3159,7 @@
               </a:rPr>
               <a:t>恩典</a:t>
             </a:r>
-            <a:endParaRPr lang="en-US" altLang="zh-TW" sz="5400" b="1" dirty="0" smtClean="0">
+            <a:endParaRPr lang="en-US" altLang="zh-TW" sz="4800" b="1" dirty="0" smtClean="0">
               <a:solidFill>
                 <a:srgbClr val="000066"/>
               </a:solidFill>
@@ -3170,7 +3172,7 @@
               <a:buNone/>
             </a:pPr>
             <a:r>
-              <a:rPr lang="zh-TW" altLang="en-US" sz="5400" b="1" dirty="0" smtClean="0">
+              <a:rPr lang="zh-TW" altLang="en-US" sz="4800" b="1" dirty="0" smtClean="0">
                 <a:solidFill>
                   <a:srgbClr val="000066"/>
                 </a:solidFill>
@@ -3180,7 +3182,7 @@
               <a:t>我</a:t>
             </a:r>
             <a:r>
-              <a:rPr lang="zh-TW" altLang="en-US" sz="5400" b="1" dirty="0">
+              <a:rPr lang="zh-TW" altLang="en-US" sz="4800" b="1" dirty="0">
                 <a:solidFill>
                   <a:srgbClr val="000066"/>
                 </a:solidFill>
@@ -3190,7 +3192,7 @@
               <a:t>投靠在祢翅膀蔭</a:t>
             </a:r>
             <a:r>
-              <a:rPr lang="zh-TW" altLang="en-US" sz="5400" b="1" dirty="0" smtClean="0">
+              <a:rPr lang="zh-TW" altLang="en-US" sz="4800" b="1" dirty="0" smtClean="0">
                 <a:solidFill>
                   <a:srgbClr val="000066"/>
                 </a:solidFill>
@@ -3199,7 +3201,7 @@
               </a:rPr>
               <a:t>下</a:t>
             </a:r>
-            <a:endParaRPr lang="en-US" altLang="zh-TW" sz="5400" b="1" dirty="0" smtClean="0">
+            <a:endParaRPr lang="en-US" altLang="zh-TW" sz="4800" b="1" dirty="0" smtClean="0">
               <a:solidFill>
                 <a:srgbClr val="000066"/>
               </a:solidFill>
@@ -3212,7 +3214,7 @@
               <a:buNone/>
             </a:pPr>
             <a:r>
-              <a:rPr lang="zh-TW" altLang="en-US" sz="5400" b="1" dirty="0" smtClean="0">
+              <a:rPr lang="zh-TW" altLang="en-US" sz="4800" b="1" dirty="0" smtClean="0">
                 <a:solidFill>
                   <a:srgbClr val="000066"/>
                 </a:solidFill>
@@ -3222,7 +3224,7 @@
               <a:t>當</a:t>
             </a:r>
             <a:r>
-              <a:rPr lang="zh-TW" altLang="en-US" sz="5400" b="1" dirty="0">
+              <a:rPr lang="zh-TW" altLang="en-US" sz="4800" b="1" dirty="0">
                 <a:solidFill>
                   <a:srgbClr val="000066"/>
                 </a:solidFill>
@@ -3232,7 +3234,7 @@
               <a:t>我</a:t>
             </a:r>
             <a:r>
-              <a:rPr lang="zh-TW" altLang="en-US" sz="5400" b="1" dirty="0" smtClean="0">
+              <a:rPr lang="zh-TW" altLang="en-US" sz="4800" b="1" dirty="0" smtClean="0">
                 <a:solidFill>
                   <a:srgbClr val="000066"/>
                 </a:solidFill>
@@ -3242,7 +3244,7 @@
               <a:t>迴轉  一</a:t>
             </a:r>
             <a:r>
-              <a:rPr lang="zh-TW" altLang="en-US" sz="5400" b="1" dirty="0">
+              <a:rPr lang="zh-TW" altLang="en-US" sz="4800" b="1" dirty="0">
                 <a:solidFill>
                   <a:srgbClr val="000066"/>
                 </a:solidFill>
@@ -3252,7 +3254,7 @@
               <a:t>宿雖然有</a:t>
             </a:r>
             <a:r>
-              <a:rPr lang="zh-TW" altLang="en-US" sz="5400" b="1" dirty="0" smtClean="0">
+              <a:rPr lang="zh-TW" altLang="en-US" sz="4800" b="1" dirty="0" smtClean="0">
                 <a:solidFill>
                   <a:srgbClr val="000066"/>
                 </a:solidFill>
@@ -3261,7 +3263,7 @@
               </a:rPr>
               <a:t>哭泣</a:t>
             </a:r>
-            <a:endParaRPr lang="en-US" altLang="zh-TW" sz="5400" b="1" dirty="0" smtClean="0">
+            <a:endParaRPr lang="en-US" altLang="zh-TW" sz="4800" b="1" dirty="0" smtClean="0">
               <a:solidFill>
                 <a:srgbClr val="000066"/>
               </a:solidFill>
@@ -3274,7 +3276,7 @@
               <a:buNone/>
             </a:pPr>
             <a:r>
-              <a:rPr lang="zh-TW" altLang="en-US" sz="5400" b="1" dirty="0" smtClean="0">
+              <a:rPr lang="zh-TW" altLang="en-US" sz="4800" b="1" dirty="0" smtClean="0">
                 <a:solidFill>
                   <a:srgbClr val="000066"/>
                 </a:solidFill>
@@ -3284,7 +3286,7 @@
               <a:t>早晨</a:t>
             </a:r>
             <a:r>
-              <a:rPr lang="zh-TW" altLang="en-US" sz="5400" b="1" dirty="0">
+              <a:rPr lang="zh-TW" altLang="en-US" sz="4800" b="1" dirty="0">
                 <a:solidFill>
                   <a:srgbClr val="000066"/>
                 </a:solidFill>
@@ -3294,7 +3296,7 @@
               <a:t>必歡呼</a:t>
             </a:r>
             <a:r>
-              <a:rPr lang="zh-TW" altLang="en-US" sz="5400" b="1" dirty="0" smtClean="0">
+              <a:rPr lang="zh-TW" altLang="en-US" sz="4800" b="1" dirty="0" smtClean="0">
                 <a:solidFill>
                   <a:srgbClr val="000066"/>
                 </a:solidFill>
@@ -3303,7 +3305,7 @@
               </a:rPr>
               <a:t>喜樂</a:t>
             </a:r>
-            <a:endParaRPr lang="zh-TW" altLang="en-US" sz="5400" b="1" dirty="0">
+            <a:endParaRPr lang="zh-TW" altLang="en-US" sz="4800" b="1" dirty="0">
               <a:solidFill>
                 <a:srgbClr val="000066"/>
               </a:solidFill>
@@ -3350,11 +3352,13 @@
         </p:nvSpPr>
         <p:spPr/>
         <p:txBody>
-          <a:bodyPr/>
-          <a:lstStyle/>
-          <a:p>
-            <a:r>
-              <a:rPr lang="zh-TW" altLang="en-US" b="1" dirty="0">
+          <a:bodyPr>
+            <a:normAutofit/>
+          </a:bodyPr>
+          <a:lstStyle/>
+          <a:p>
+            <a:r>
+              <a:rPr lang="zh-TW" altLang="en-US" sz="4000" b="1" dirty="0">
                 <a:solidFill>
                   <a:srgbClr val="000066"/>
                 </a:solidFill>
@@ -3387,7 +3391,7 @@
               <a:buNone/>
             </a:pPr>
             <a:r>
-              <a:rPr lang="zh-TW" altLang="en-US" sz="5400" b="1" dirty="0">
+              <a:rPr lang="zh-TW" altLang="en-US" sz="4800" b="1" dirty="0">
                 <a:solidFill>
                   <a:srgbClr val="000066"/>
                 </a:solidFill>
@@ -3397,7 +3401,7 @@
               <a:t>祢坐著為</a:t>
             </a:r>
             <a:r>
-              <a:rPr lang="zh-TW" altLang="en-US" sz="5400" b="1" dirty="0" smtClean="0">
+              <a:rPr lang="zh-TW" altLang="en-US" sz="4800" b="1" dirty="0" smtClean="0">
                 <a:solidFill>
                   <a:srgbClr val="000066"/>
                 </a:solidFill>
@@ -3407,7 +3411,7 @@
               <a:t>王  到</a:t>
             </a:r>
             <a:r>
-              <a:rPr lang="zh-TW" altLang="en-US" sz="5400" b="1" dirty="0">
+              <a:rPr lang="zh-TW" altLang="en-US" sz="4800" b="1" dirty="0">
                 <a:solidFill>
                   <a:srgbClr val="000066"/>
                 </a:solidFill>
@@ -3422,7 +3426,7 @@
               <a:buNone/>
             </a:pPr>
             <a:r>
-              <a:rPr lang="zh-TW" altLang="en-US" sz="5400" b="1" dirty="0">
+              <a:rPr lang="zh-TW" altLang="en-US" sz="4800" b="1" dirty="0">
                 <a:solidFill>
                   <a:srgbClr val="000066"/>
                 </a:solidFill>
@@ -3432,7 +3436,7 @@
               <a:t>雖洪水</a:t>
             </a:r>
             <a:r>
-              <a:rPr lang="zh-TW" altLang="en-US" sz="5400" b="1" dirty="0" smtClean="0">
+              <a:rPr lang="zh-TW" altLang="en-US" sz="4800" b="1" dirty="0" smtClean="0">
                 <a:solidFill>
                   <a:srgbClr val="000066"/>
                 </a:solidFill>
@@ -3442,7 +3446,7 @@
               <a:t>翻騰  我</a:t>
             </a:r>
             <a:r>
-              <a:rPr lang="zh-TW" altLang="en-US" sz="5400" b="1" dirty="0">
+              <a:rPr lang="zh-TW" altLang="en-US" sz="4800" b="1" dirty="0">
                 <a:solidFill>
                   <a:srgbClr val="000066"/>
                 </a:solidFill>
@@ -3457,7 +3461,7 @@
               <a:buNone/>
             </a:pPr>
             <a:r>
-              <a:rPr lang="zh-TW" altLang="en-US" sz="5400" b="1" dirty="0">
+              <a:rPr lang="zh-TW" altLang="en-US" sz="4800" b="1" dirty="0">
                 <a:solidFill>
                   <a:srgbClr val="000066"/>
                 </a:solidFill>
@@ -3467,7 +3471,7 @@
               <a:t>祢坐著為</a:t>
             </a:r>
             <a:r>
-              <a:rPr lang="zh-TW" altLang="en-US" sz="5400" b="1" dirty="0" smtClean="0">
+              <a:rPr lang="zh-TW" altLang="en-US" sz="4800" b="1" dirty="0" smtClean="0">
                 <a:solidFill>
                   <a:srgbClr val="000066"/>
                 </a:solidFill>
@@ -3477,7 +3481,7 @@
               <a:t>王  垂</a:t>
             </a:r>
             <a:r>
-              <a:rPr lang="zh-TW" altLang="en-US" sz="5400" b="1" dirty="0">
+              <a:rPr lang="zh-TW" altLang="en-US" sz="4800" b="1" dirty="0">
                 <a:solidFill>
                   <a:srgbClr val="000066"/>
                 </a:solidFill>
@@ -3492,7 +3496,7 @@
               <a:buNone/>
             </a:pPr>
             <a:r>
-              <a:rPr lang="zh-TW" altLang="en-US" sz="5400" b="1" dirty="0">
+              <a:rPr lang="zh-TW" altLang="en-US" sz="4800" b="1" dirty="0">
                 <a:solidFill>
                   <a:srgbClr val="000066"/>
                 </a:solidFill>
@@ -3502,7 +3506,7 @@
               <a:t>使我靈</a:t>
             </a:r>
             <a:r>
-              <a:rPr lang="zh-TW" altLang="en-US" sz="5400" b="1" dirty="0" smtClean="0">
+              <a:rPr lang="zh-TW" altLang="en-US" sz="4800" b="1" dirty="0" smtClean="0">
                 <a:solidFill>
                   <a:srgbClr val="000066"/>
                 </a:solidFill>
@@ -3512,7 +3516,7 @@
               <a:t>甦醒  有</a:t>
             </a:r>
             <a:r>
-              <a:rPr lang="zh-TW" altLang="en-US" sz="5400" b="1" dirty="0">
+              <a:rPr lang="zh-TW" altLang="en-US" sz="4800" b="1" dirty="0">
                 <a:solidFill>
                   <a:srgbClr val="000066"/>
                 </a:solidFill>

--- a/你坐著為王.pptx
+++ b/你坐著為王.pptx
@@ -105,6 +105,22 @@
       </a:defRPr>
     </a:lvl9pPr>
   </p:defaultTextStyle>
+  <p:extLst>
+    <p:ext uri="{EFAFB233-063F-42B5-8137-9DF3F51BA10A}">
+      <p15:sldGuideLst xmlns:p15="http://schemas.microsoft.com/office/powerpoint/2012/main">
+        <p15:guide id="1" orient="horz" pos="1620">
+          <p15:clr>
+            <a:srgbClr val="A4A3A4"/>
+          </p15:clr>
+        </p15:guide>
+        <p15:guide id="2" pos="2880">
+          <p15:clr>
+            <a:srgbClr val="A4A3A4"/>
+          </p15:clr>
+        </p15:guide>
+      </p15:sldGuideLst>
+    </p:ext>
+  </p:extLst>
 </p:presentation>
 </file>
 
@@ -290,7 +306,7 @@
             <a:fld id="{9A8E5DD9-FF23-4686-8700-DF224CFA5617}" type="datetimeFigureOut">
               <a:rPr lang="zh-TW" altLang="en-US" smtClean="0"/>
               <a:pPr/>
-              <a:t>2019/7/20</a:t>
+              <a:t>2020/5/30</a:t>
             </a:fld>
             <a:endParaRPr lang="zh-TW" altLang="en-US"/>
           </a:p>
@@ -457,7 +473,7 @@
             <a:fld id="{9A8E5DD9-FF23-4686-8700-DF224CFA5617}" type="datetimeFigureOut">
               <a:rPr lang="zh-TW" altLang="en-US" smtClean="0"/>
               <a:pPr/>
-              <a:t>2019/7/20</a:t>
+              <a:t>2020/5/30</a:t>
             </a:fld>
             <a:endParaRPr lang="zh-TW" altLang="en-US"/>
           </a:p>
@@ -634,7 +650,7 @@
             <a:fld id="{9A8E5DD9-FF23-4686-8700-DF224CFA5617}" type="datetimeFigureOut">
               <a:rPr lang="zh-TW" altLang="en-US" smtClean="0"/>
               <a:pPr/>
-              <a:t>2019/7/20</a:t>
+              <a:t>2020/5/30</a:t>
             </a:fld>
             <a:endParaRPr lang="zh-TW" altLang="en-US"/>
           </a:p>
@@ -801,7 +817,7 @@
             <a:fld id="{9A8E5DD9-FF23-4686-8700-DF224CFA5617}" type="datetimeFigureOut">
               <a:rPr lang="zh-TW" altLang="en-US" smtClean="0"/>
               <a:pPr/>
-              <a:t>2019/7/20</a:t>
+              <a:t>2020/5/30</a:t>
             </a:fld>
             <a:endParaRPr lang="zh-TW" altLang="en-US"/>
           </a:p>
@@ -1044,7 +1060,7 @@
             <a:fld id="{9A8E5DD9-FF23-4686-8700-DF224CFA5617}" type="datetimeFigureOut">
               <a:rPr lang="zh-TW" altLang="en-US" smtClean="0"/>
               <a:pPr/>
-              <a:t>2019/7/20</a:t>
+              <a:t>2020/5/30</a:t>
             </a:fld>
             <a:endParaRPr lang="zh-TW" altLang="en-US"/>
           </a:p>
@@ -1329,7 +1345,7 @@
             <a:fld id="{9A8E5DD9-FF23-4686-8700-DF224CFA5617}" type="datetimeFigureOut">
               <a:rPr lang="zh-TW" altLang="en-US" smtClean="0"/>
               <a:pPr/>
-              <a:t>2019/7/20</a:t>
+              <a:t>2020/5/30</a:t>
             </a:fld>
             <a:endParaRPr lang="zh-TW" altLang="en-US"/>
           </a:p>
@@ -1748,7 +1764,7 @@
             <a:fld id="{9A8E5DD9-FF23-4686-8700-DF224CFA5617}" type="datetimeFigureOut">
               <a:rPr lang="zh-TW" altLang="en-US" smtClean="0"/>
               <a:pPr/>
-              <a:t>2019/7/20</a:t>
+              <a:t>2020/5/30</a:t>
             </a:fld>
             <a:endParaRPr lang="zh-TW" altLang="en-US"/>
           </a:p>
@@ -1863,7 +1879,7 @@
             <a:fld id="{9A8E5DD9-FF23-4686-8700-DF224CFA5617}" type="datetimeFigureOut">
               <a:rPr lang="zh-TW" altLang="en-US" smtClean="0"/>
               <a:pPr/>
-              <a:t>2019/7/20</a:t>
+              <a:t>2020/5/30</a:t>
             </a:fld>
             <a:endParaRPr lang="zh-TW" altLang="en-US"/>
           </a:p>
@@ -1955,7 +1971,7 @@
             <a:fld id="{9A8E5DD9-FF23-4686-8700-DF224CFA5617}" type="datetimeFigureOut">
               <a:rPr lang="zh-TW" altLang="en-US" smtClean="0"/>
               <a:pPr/>
-              <a:t>2019/7/20</a:t>
+              <a:t>2020/5/30</a:t>
             </a:fld>
             <a:endParaRPr lang="zh-TW" altLang="en-US"/>
           </a:p>
@@ -2229,7 +2245,7 @@
             <a:fld id="{9A8E5DD9-FF23-4686-8700-DF224CFA5617}" type="datetimeFigureOut">
               <a:rPr lang="zh-TW" altLang="en-US" smtClean="0"/>
               <a:pPr/>
-              <a:t>2019/7/20</a:t>
+              <a:t>2020/5/30</a:t>
             </a:fld>
             <a:endParaRPr lang="zh-TW" altLang="en-US"/>
           </a:p>
@@ -2483,7 +2499,7 @@
             <a:fld id="{9A8E5DD9-FF23-4686-8700-DF224CFA5617}" type="datetimeFigureOut">
               <a:rPr lang="zh-TW" altLang="en-US" smtClean="0"/>
               <a:pPr/>
-              <a:t>2019/7/20</a:t>
+              <a:t>2020/5/30</a:t>
             </a:fld>
             <a:endParaRPr lang="zh-TW" altLang="en-US"/>
           </a:p>
@@ -2698,7 +2714,7 @@
             <a:fld id="{9A8E5DD9-FF23-4686-8700-DF224CFA5617}" type="datetimeFigureOut">
               <a:rPr lang="zh-TW" altLang="en-US" smtClean="0"/>
               <a:pPr/>
-              <a:t>2019/7/20</a:t>
+              <a:t>2020/5/30</a:t>
             </a:fld>
             <a:endParaRPr lang="zh-TW" altLang="en-US"/>
           </a:p>
@@ -3087,14 +3103,34 @@
           <a:lstStyle/>
           <a:p>
             <a:r>
-              <a:rPr lang="zh-TW" altLang="en-US" sz="4000" b="1" dirty="0">
+              <a:rPr lang="zh-CN" altLang="en-US" sz="4000" b="1" dirty="0">
                 <a:solidFill>
                   <a:srgbClr val="000066"/>
                 </a:solidFill>
                 <a:latin typeface="微軟正黑體" pitchFamily="34" charset="-120"/>
                 <a:ea typeface="微軟正黑體" pitchFamily="34" charset="-120"/>
               </a:rPr>
-              <a:t>你坐著為王</a:t>
+              <a:t>袮</a:t>
+            </a:r>
+            <a:r>
+              <a:rPr lang="zh-TW" altLang="en-US" sz="4000" b="1" dirty="0" smtClean="0">
+                <a:solidFill>
+                  <a:srgbClr val="000066"/>
+                </a:solidFill>
+                <a:latin typeface="微軟正黑體" pitchFamily="34" charset="-120"/>
+                <a:ea typeface="微軟正黑體" pitchFamily="34" charset="-120"/>
+              </a:rPr>
+              <a:t>坐</a:t>
+            </a:r>
+            <a:r>
+              <a:rPr lang="zh-TW" altLang="en-US" sz="4000" b="1" dirty="0">
+                <a:solidFill>
+                  <a:srgbClr val="000066"/>
+                </a:solidFill>
+                <a:latin typeface="微軟正黑體" pitchFamily="34" charset="-120"/>
+                <a:ea typeface="微軟正黑體" pitchFamily="34" charset="-120"/>
+              </a:rPr>
+              <a:t>著為王</a:t>
             </a:r>
           </a:p>
         </p:txBody>
@@ -3358,14 +3394,34 @@
           <a:lstStyle/>
           <a:p>
             <a:r>
-              <a:rPr lang="zh-TW" altLang="en-US" sz="4000" b="1" dirty="0">
+              <a:rPr lang="zh-CN" altLang="en-US" sz="4000" b="1" dirty="0">
                 <a:solidFill>
                   <a:srgbClr val="000066"/>
                 </a:solidFill>
                 <a:latin typeface="微軟正黑體" pitchFamily="34" charset="-120"/>
                 <a:ea typeface="微軟正黑體" pitchFamily="34" charset="-120"/>
               </a:rPr>
-              <a:t>你坐著為王</a:t>
+              <a:t>袮</a:t>
+            </a:r>
+            <a:r>
+              <a:rPr lang="zh-TW" altLang="en-US" sz="4000" b="1" dirty="0" smtClean="0">
+                <a:solidFill>
+                  <a:srgbClr val="000066"/>
+                </a:solidFill>
+                <a:latin typeface="微軟正黑體" pitchFamily="34" charset="-120"/>
+                <a:ea typeface="微軟正黑體" pitchFamily="34" charset="-120"/>
+              </a:rPr>
+              <a:t>坐</a:t>
+            </a:r>
+            <a:r>
+              <a:rPr lang="zh-TW" altLang="en-US" sz="4000" b="1" dirty="0">
+                <a:solidFill>
+                  <a:srgbClr val="000066"/>
+                </a:solidFill>
+                <a:latin typeface="微軟正黑體" pitchFamily="34" charset="-120"/>
+                <a:ea typeface="微軟正黑體" pitchFamily="34" charset="-120"/>
+              </a:rPr>
+              <a:t>著為王</a:t>
             </a:r>
           </a:p>
         </p:txBody>

--- a/你坐著為王.pptx
+++ b/你坐著為王.pptx
@@ -5,8 +5,11 @@
     <p:sldMasterId id="2147483672" r:id="rId1"/>
   </p:sldMasterIdLst>
   <p:sldIdLst>
-    <p:sldId id="256" r:id="rId2"/>
-    <p:sldId id="257" r:id="rId3"/>
+    <p:sldId id="258" r:id="rId2"/>
+    <p:sldId id="259" r:id="rId3"/>
+    <p:sldId id="260" r:id="rId4"/>
+    <p:sldId id="261" r:id="rId5"/>
+    <p:sldId id="262" r:id="rId6"/>
   </p:sldIdLst>
   <p:sldSz cx="9144000" cy="5143500" type="screen16x9"/>
   <p:notesSz cx="6858000" cy="9144000"/>
@@ -306,7 +309,7 @@
             <a:fld id="{9A8E5DD9-FF23-4686-8700-DF224CFA5617}" type="datetimeFigureOut">
               <a:rPr lang="zh-TW" altLang="en-US" smtClean="0"/>
               <a:pPr/>
-              <a:t>2020/5/30</a:t>
+              <a:t>2021/6/3</a:t>
             </a:fld>
             <a:endParaRPr lang="zh-TW" altLang="en-US"/>
           </a:p>
@@ -473,7 +476,7 @@
             <a:fld id="{9A8E5DD9-FF23-4686-8700-DF224CFA5617}" type="datetimeFigureOut">
               <a:rPr lang="zh-TW" altLang="en-US" smtClean="0"/>
               <a:pPr/>
-              <a:t>2020/5/30</a:t>
+              <a:t>2021/6/3</a:t>
             </a:fld>
             <a:endParaRPr lang="zh-TW" altLang="en-US"/>
           </a:p>
@@ -650,7 +653,7 @@
             <a:fld id="{9A8E5DD9-FF23-4686-8700-DF224CFA5617}" type="datetimeFigureOut">
               <a:rPr lang="zh-TW" altLang="en-US" smtClean="0"/>
               <a:pPr/>
-              <a:t>2020/5/30</a:t>
+              <a:t>2021/6/3</a:t>
             </a:fld>
             <a:endParaRPr lang="zh-TW" altLang="en-US"/>
           </a:p>
@@ -817,7 +820,7 @@
             <a:fld id="{9A8E5DD9-FF23-4686-8700-DF224CFA5617}" type="datetimeFigureOut">
               <a:rPr lang="zh-TW" altLang="en-US" smtClean="0"/>
               <a:pPr/>
-              <a:t>2020/5/30</a:t>
+              <a:t>2021/6/3</a:t>
             </a:fld>
             <a:endParaRPr lang="zh-TW" altLang="en-US"/>
           </a:p>
@@ -1060,7 +1063,7 @@
             <a:fld id="{9A8E5DD9-FF23-4686-8700-DF224CFA5617}" type="datetimeFigureOut">
               <a:rPr lang="zh-TW" altLang="en-US" smtClean="0"/>
               <a:pPr/>
-              <a:t>2020/5/30</a:t>
+              <a:t>2021/6/3</a:t>
             </a:fld>
             <a:endParaRPr lang="zh-TW" altLang="en-US"/>
           </a:p>
@@ -1345,7 +1348,7 @@
             <a:fld id="{9A8E5DD9-FF23-4686-8700-DF224CFA5617}" type="datetimeFigureOut">
               <a:rPr lang="zh-TW" altLang="en-US" smtClean="0"/>
               <a:pPr/>
-              <a:t>2020/5/30</a:t>
+              <a:t>2021/6/3</a:t>
             </a:fld>
             <a:endParaRPr lang="zh-TW" altLang="en-US"/>
           </a:p>
@@ -1764,7 +1767,7 @@
             <a:fld id="{9A8E5DD9-FF23-4686-8700-DF224CFA5617}" type="datetimeFigureOut">
               <a:rPr lang="zh-TW" altLang="en-US" smtClean="0"/>
               <a:pPr/>
-              <a:t>2020/5/30</a:t>
+              <a:t>2021/6/3</a:t>
             </a:fld>
             <a:endParaRPr lang="zh-TW" altLang="en-US"/>
           </a:p>
@@ -1879,7 +1882,7 @@
             <a:fld id="{9A8E5DD9-FF23-4686-8700-DF224CFA5617}" type="datetimeFigureOut">
               <a:rPr lang="zh-TW" altLang="en-US" smtClean="0"/>
               <a:pPr/>
-              <a:t>2020/5/30</a:t>
+              <a:t>2021/6/3</a:t>
             </a:fld>
             <a:endParaRPr lang="zh-TW" altLang="en-US"/>
           </a:p>
@@ -1971,7 +1974,7 @@
             <a:fld id="{9A8E5DD9-FF23-4686-8700-DF224CFA5617}" type="datetimeFigureOut">
               <a:rPr lang="zh-TW" altLang="en-US" smtClean="0"/>
               <a:pPr/>
-              <a:t>2020/5/30</a:t>
+              <a:t>2021/6/3</a:t>
             </a:fld>
             <a:endParaRPr lang="zh-TW" altLang="en-US"/>
           </a:p>
@@ -2245,7 +2248,7 @@
             <a:fld id="{9A8E5DD9-FF23-4686-8700-DF224CFA5617}" type="datetimeFigureOut">
               <a:rPr lang="zh-TW" altLang="en-US" smtClean="0"/>
               <a:pPr/>
-              <a:t>2020/5/30</a:t>
+              <a:t>2021/6/3</a:t>
             </a:fld>
             <a:endParaRPr lang="zh-TW" altLang="en-US"/>
           </a:p>
@@ -2499,7 +2502,7 @@
             <a:fld id="{9A8E5DD9-FF23-4686-8700-DF224CFA5617}" type="datetimeFigureOut">
               <a:rPr lang="zh-TW" altLang="en-US" smtClean="0"/>
               <a:pPr/>
-              <a:t>2020/5/30</a:t>
+              <a:t>2021/6/3</a:t>
             </a:fld>
             <a:endParaRPr lang="zh-TW" altLang="en-US"/>
           </a:p>
@@ -2714,7 +2717,7 @@
             <a:fld id="{9A8E5DD9-FF23-4686-8700-DF224CFA5617}" type="datetimeFigureOut">
               <a:rPr lang="zh-TW" altLang="en-US" smtClean="0"/>
               <a:pPr/>
-              <a:t>2020/5/30</a:t>
+              <a:t>2021/6/3</a:t>
             </a:fld>
             <a:endParaRPr lang="zh-TW" altLang="en-US"/>
           </a:p>
@@ -3095,263 +3098,61 @@
             <p:ph type="title"/>
           </p:nvPr>
         </p:nvSpPr>
-        <p:spPr/>
+        <p:spPr>
+          <a:xfrm>
+            <a:off x="0" y="1995686"/>
+            <a:ext cx="9144000" cy="857250"/>
+          </a:xfrm>
+        </p:spPr>
         <p:txBody>
           <a:bodyPr>
-            <a:normAutofit/>
+            <a:noAutofit/>
           </a:bodyPr>
           <a:lstStyle/>
           <a:p>
             <a:r>
-              <a:rPr lang="zh-CN" altLang="en-US" sz="4000" b="1" dirty="0">
+              <a:rPr lang="zh-CN" altLang="en-US" sz="5400" b="1" i="1" dirty="0" smtClean="0">
                 <a:solidFill>
-                  <a:srgbClr val="000066"/>
+                  <a:srgbClr val="660033"/>
                 </a:solidFill>
+                <a:effectLst>
+                  <a:outerShdw blurRad="38100" dist="38100" dir="2700000" algn="tl">
+                    <a:srgbClr val="000000">
+                      <a:alpha val="43137"/>
+                    </a:srgbClr>
+                  </a:outerShdw>
+                </a:effectLst>
                 <a:latin typeface="微軟正黑體" pitchFamily="34" charset="-120"/>
                 <a:ea typeface="微軟正黑體" pitchFamily="34" charset="-120"/>
               </a:rPr>
               <a:t>袮</a:t>
             </a:r>
             <a:r>
-              <a:rPr lang="zh-TW" altLang="en-US" sz="4000" b="1" dirty="0" smtClean="0">
+              <a:rPr lang="zh-TW" altLang="en-US" sz="5400" b="1" i="1" dirty="0">
                 <a:solidFill>
-                  <a:srgbClr val="000066"/>
+                  <a:srgbClr val="660033"/>
                 </a:solidFill>
+                <a:effectLst>
+                  <a:outerShdw blurRad="38100" dist="38100" dir="2700000" algn="tl">
+                    <a:srgbClr val="000000">
+                      <a:alpha val="43137"/>
+                    </a:srgbClr>
+                  </a:outerShdw>
+                </a:effectLst>
                 <a:latin typeface="微軟正黑體" pitchFamily="34" charset="-120"/>
                 <a:ea typeface="微軟正黑體" pitchFamily="34" charset="-120"/>
               </a:rPr>
-              <a:t>坐</a:t>
-            </a:r>
-            <a:r>
-              <a:rPr lang="zh-TW" altLang="en-US" sz="4000" b="1" dirty="0">
-                <a:solidFill>
-                  <a:srgbClr val="000066"/>
-                </a:solidFill>
-                <a:latin typeface="微軟正黑體" pitchFamily="34" charset="-120"/>
-                <a:ea typeface="微軟正黑體" pitchFamily="34" charset="-120"/>
-              </a:rPr>
-              <a:t>著為王</a:t>
-            </a:r>
-          </a:p>
-        </p:txBody>
-      </p:sp>
-      <p:sp>
-        <p:nvSpPr>
-          <p:cNvPr id="5" name="內容版面配置區 4"/>
-          <p:cNvSpPr>
-            <a:spLocks noGrp="1"/>
-          </p:cNvSpPr>
-          <p:nvPr>
-            <p:ph idx="1"/>
-          </p:nvPr>
-        </p:nvSpPr>
-        <p:spPr/>
-        <p:txBody>
-          <a:bodyPr>
-            <a:noAutofit/>
-          </a:bodyPr>
-          <a:lstStyle/>
-          <a:p>
-            <a:pPr algn="ctr">
-              <a:buNone/>
-            </a:pPr>
-            <a:r>
-              <a:rPr lang="zh-TW" altLang="en-US" sz="4800" b="1" dirty="0">
-                <a:solidFill>
-                  <a:srgbClr val="000066"/>
-                </a:solidFill>
-                <a:latin typeface="微軟正黑體" pitchFamily="34" charset="-120"/>
-                <a:ea typeface="微軟正黑體" pitchFamily="34" charset="-120"/>
-              </a:rPr>
-              <a:t>主</a:t>
-            </a:r>
-            <a:r>
-              <a:rPr lang="zh-TW" altLang="en-US" sz="4800" b="1" dirty="0" smtClean="0">
-                <a:solidFill>
-                  <a:srgbClr val="000066"/>
-                </a:solidFill>
-                <a:latin typeface="微軟正黑體" pitchFamily="34" charset="-120"/>
-                <a:ea typeface="微軟正黑體" pitchFamily="34" charset="-120"/>
-              </a:rPr>
-              <a:t>耶和華  滿</a:t>
-            </a:r>
-            <a:r>
-              <a:rPr lang="zh-TW" altLang="en-US" sz="4800" b="1" dirty="0">
-                <a:solidFill>
-                  <a:srgbClr val="000066"/>
-                </a:solidFill>
-                <a:latin typeface="微軟正黑體" pitchFamily="34" charset="-120"/>
-                <a:ea typeface="微軟正黑體" pitchFamily="34" charset="-120"/>
-              </a:rPr>
-              <a:t>有憐憫和</a:t>
-            </a:r>
-            <a:r>
-              <a:rPr lang="zh-TW" altLang="en-US" sz="4800" b="1" dirty="0" smtClean="0">
-                <a:solidFill>
-                  <a:srgbClr val="000066"/>
-                </a:solidFill>
-                <a:latin typeface="微軟正黑體" pitchFamily="34" charset="-120"/>
-                <a:ea typeface="微軟正黑體" pitchFamily="34" charset="-120"/>
-              </a:rPr>
-              <a:t>恩典</a:t>
-            </a:r>
-            <a:endParaRPr lang="en-US" altLang="zh-TW" sz="4800" b="1" dirty="0" smtClean="0">
-              <a:solidFill>
-                <a:srgbClr val="000066"/>
-              </a:solidFill>
-              <a:latin typeface="微軟正黑體" pitchFamily="34" charset="-120"/>
-              <a:ea typeface="微軟正黑體" pitchFamily="34" charset="-120"/>
-            </a:endParaRPr>
-          </a:p>
-          <a:p>
-            <a:pPr algn="ctr">
-              <a:buNone/>
-            </a:pPr>
-            <a:r>
-              <a:rPr lang="zh-TW" altLang="en-US" sz="4800" b="1" dirty="0" smtClean="0">
-                <a:solidFill>
-                  <a:srgbClr val="000066"/>
-                </a:solidFill>
-                <a:latin typeface="微軟正黑體" pitchFamily="34" charset="-120"/>
-                <a:ea typeface="微軟正黑體" pitchFamily="34" charset="-120"/>
-              </a:rPr>
-              <a:t>我</a:t>
-            </a:r>
-            <a:r>
-              <a:rPr lang="zh-TW" altLang="en-US" sz="4800" b="1" dirty="0">
-                <a:solidFill>
-                  <a:srgbClr val="000066"/>
-                </a:solidFill>
-                <a:latin typeface="微軟正黑體" pitchFamily="34" charset="-120"/>
-                <a:ea typeface="微軟正黑體" pitchFamily="34" charset="-120"/>
-              </a:rPr>
-              <a:t>投靠在祢翅膀蔭</a:t>
-            </a:r>
-            <a:r>
-              <a:rPr lang="zh-TW" altLang="en-US" sz="4800" b="1" dirty="0" smtClean="0">
-                <a:solidFill>
-                  <a:srgbClr val="000066"/>
-                </a:solidFill>
-                <a:latin typeface="微軟正黑體" pitchFamily="34" charset="-120"/>
-                <a:ea typeface="微軟正黑體" pitchFamily="34" charset="-120"/>
-              </a:rPr>
-              <a:t>下</a:t>
-            </a:r>
-            <a:endParaRPr lang="en-US" altLang="zh-TW" sz="4800" b="1" dirty="0" smtClean="0">
-              <a:solidFill>
-                <a:srgbClr val="000066"/>
-              </a:solidFill>
-              <a:latin typeface="微軟正黑體" pitchFamily="34" charset="-120"/>
-              <a:ea typeface="微軟正黑體" pitchFamily="34" charset="-120"/>
-            </a:endParaRPr>
-          </a:p>
-          <a:p>
-            <a:pPr algn="ctr">
-              <a:buNone/>
-            </a:pPr>
-            <a:r>
-              <a:rPr lang="zh-TW" altLang="en-US" sz="4800" b="1" dirty="0" smtClean="0">
-                <a:solidFill>
-                  <a:srgbClr val="000066"/>
-                </a:solidFill>
-                <a:latin typeface="微軟正黑體" pitchFamily="34" charset="-120"/>
-                <a:ea typeface="微軟正黑體" pitchFamily="34" charset="-120"/>
-              </a:rPr>
-              <a:t>當</a:t>
-            </a:r>
-            <a:r>
-              <a:rPr lang="zh-TW" altLang="en-US" sz="4800" b="1" dirty="0">
-                <a:solidFill>
-                  <a:srgbClr val="000066"/>
-                </a:solidFill>
-                <a:latin typeface="微軟正黑體" pitchFamily="34" charset="-120"/>
-                <a:ea typeface="微軟正黑體" pitchFamily="34" charset="-120"/>
-              </a:rPr>
-              <a:t>我</a:t>
-            </a:r>
-            <a:r>
-              <a:rPr lang="zh-TW" altLang="en-US" sz="4800" b="1" dirty="0" smtClean="0">
-                <a:solidFill>
-                  <a:srgbClr val="000066"/>
-                </a:solidFill>
-                <a:latin typeface="微軟正黑體" pitchFamily="34" charset="-120"/>
-                <a:ea typeface="微軟正黑體" pitchFamily="34" charset="-120"/>
-              </a:rPr>
-              <a:t>迴轉  一</a:t>
-            </a:r>
-            <a:r>
-              <a:rPr lang="zh-TW" altLang="en-US" sz="4800" b="1" dirty="0">
-                <a:solidFill>
-                  <a:srgbClr val="000066"/>
-                </a:solidFill>
-                <a:latin typeface="微軟正黑體" pitchFamily="34" charset="-120"/>
-                <a:ea typeface="微軟正黑體" pitchFamily="34" charset="-120"/>
-              </a:rPr>
-              <a:t>宿雖然有</a:t>
-            </a:r>
-            <a:r>
-              <a:rPr lang="zh-TW" altLang="en-US" sz="4800" b="1" dirty="0" smtClean="0">
-                <a:solidFill>
-                  <a:srgbClr val="000066"/>
-                </a:solidFill>
-                <a:latin typeface="微軟正黑體" pitchFamily="34" charset="-120"/>
-                <a:ea typeface="微軟正黑體" pitchFamily="34" charset="-120"/>
-              </a:rPr>
-              <a:t>哭泣</a:t>
-            </a:r>
-            <a:endParaRPr lang="en-US" altLang="zh-TW" sz="4800" b="1" dirty="0" smtClean="0">
-              <a:solidFill>
-                <a:srgbClr val="000066"/>
-              </a:solidFill>
-              <a:latin typeface="微軟正黑體" pitchFamily="34" charset="-120"/>
-              <a:ea typeface="微軟正黑體" pitchFamily="34" charset="-120"/>
-            </a:endParaRPr>
-          </a:p>
-          <a:p>
-            <a:pPr algn="ctr">
-              <a:buNone/>
-            </a:pPr>
-            <a:r>
-              <a:rPr lang="zh-TW" altLang="en-US" sz="4800" b="1" dirty="0" smtClean="0">
-                <a:solidFill>
-                  <a:srgbClr val="000066"/>
-                </a:solidFill>
-                <a:latin typeface="微軟正黑體" pitchFamily="34" charset="-120"/>
-                <a:ea typeface="微軟正黑體" pitchFamily="34" charset="-120"/>
-              </a:rPr>
-              <a:t>早晨</a:t>
-            </a:r>
-            <a:r>
-              <a:rPr lang="zh-TW" altLang="en-US" sz="4800" b="1" dirty="0">
-                <a:solidFill>
-                  <a:srgbClr val="000066"/>
-                </a:solidFill>
-                <a:latin typeface="微軟正黑體" pitchFamily="34" charset="-120"/>
-                <a:ea typeface="微軟正黑體" pitchFamily="34" charset="-120"/>
-              </a:rPr>
-              <a:t>必歡呼</a:t>
-            </a:r>
-            <a:r>
-              <a:rPr lang="zh-TW" altLang="en-US" sz="4800" b="1" dirty="0" smtClean="0">
-                <a:solidFill>
-                  <a:srgbClr val="000066"/>
-                </a:solidFill>
-                <a:latin typeface="微軟正黑體" pitchFamily="34" charset="-120"/>
-                <a:ea typeface="微軟正黑體" pitchFamily="34" charset="-120"/>
-              </a:rPr>
-              <a:t>喜樂</a:t>
-            </a:r>
-            <a:endParaRPr lang="zh-TW" altLang="en-US" sz="4800" b="1" dirty="0">
-              <a:solidFill>
-                <a:srgbClr val="000066"/>
-              </a:solidFill>
-              <a:latin typeface="微軟正黑體" pitchFamily="34" charset="-120"/>
-              <a:ea typeface="微軟正黑體" pitchFamily="34" charset="-120"/>
-            </a:endParaRPr>
+              <a:t>坐著為王</a:t>
+            </a:r>
           </a:p>
         </p:txBody>
       </p:sp>
     </p:spTree>
+    <p:extLst>
+      <p:ext uri="{BB962C8B-B14F-4D97-AF65-F5344CB8AC3E}">
+        <p14:creationId xmlns:p14="http://schemas.microsoft.com/office/powerpoint/2010/main" val="1698783765"/>
+      </p:ext>
+    </p:extLst>
   </p:cSld>
   <p:clrMapOvr>
     <a:masterClrMapping/>
@@ -3378,70 +3179,144 @@
       </p:grpSpPr>
       <p:sp>
         <p:nvSpPr>
-          <p:cNvPr id="4" name="標題 3"/>
-          <p:cNvSpPr>
-            <a:spLocks noGrp="1"/>
-          </p:cNvSpPr>
-          <p:nvPr>
-            <p:ph type="title"/>
-          </p:nvPr>
-        </p:nvSpPr>
-        <p:spPr/>
-        <p:txBody>
-          <a:bodyPr>
+          <p:cNvPr id="5" name="內容版面配置區 4"/>
+          <p:cNvSpPr>
+            <a:spLocks noGrp="1"/>
+          </p:cNvSpPr>
+          <p:nvPr>
+            <p:ph idx="1"/>
+          </p:nvPr>
+        </p:nvSpPr>
+        <p:spPr>
+          <a:xfrm>
+            <a:off x="0" y="1563638"/>
+            <a:ext cx="9144000" cy="1803647"/>
+          </a:xfrm>
+        </p:spPr>
+        <p:txBody>
+          <a:bodyPr anchor="ctr">
             <a:normAutofit/>
           </a:bodyPr>
           <a:lstStyle/>
           <a:p>
-            <a:r>
-              <a:rPr lang="zh-CN" altLang="en-US" sz="4000" b="1" dirty="0">
+            <a:pPr algn="ctr">
+              <a:buNone/>
+            </a:pPr>
+            <a:r>
+              <a:rPr lang="zh-TW" altLang="en-US" sz="4800" b="1" dirty="0">
                 <a:solidFill>
-                  <a:srgbClr val="000066"/>
+                  <a:srgbClr val="660033"/>
                 </a:solidFill>
                 <a:latin typeface="微軟正黑體" pitchFamily="34" charset="-120"/>
                 <a:ea typeface="微軟正黑體" pitchFamily="34" charset="-120"/>
               </a:rPr>
-              <a:t>袮</a:t>
-            </a:r>
-            <a:r>
-              <a:rPr lang="zh-TW" altLang="en-US" sz="4000" b="1" dirty="0" smtClean="0">
+              <a:t>主耶和華  滿有憐憫和恩典</a:t>
+            </a:r>
+            <a:endParaRPr lang="en-US" altLang="zh-TW" sz="4800" b="1" dirty="0">
+              <a:solidFill>
+                <a:srgbClr val="660033"/>
+              </a:solidFill>
+              <a:latin typeface="微軟正黑體" pitchFamily="34" charset="-120"/>
+              <a:ea typeface="微軟正黑體" pitchFamily="34" charset="-120"/>
+            </a:endParaRPr>
+          </a:p>
+          <a:p>
+            <a:pPr algn="ctr">
+              <a:buNone/>
+            </a:pPr>
+            <a:r>
+              <a:rPr lang="zh-TW" altLang="en-US" sz="4800" b="1" dirty="0">
                 <a:solidFill>
-                  <a:srgbClr val="000066"/>
+                  <a:srgbClr val="660033"/>
                 </a:solidFill>
                 <a:latin typeface="微軟正黑體" pitchFamily="34" charset="-120"/>
                 <a:ea typeface="微軟正黑體" pitchFamily="34" charset="-120"/>
               </a:rPr>
-              <a:t>坐</a:t>
-            </a:r>
-            <a:r>
-              <a:rPr lang="zh-TW" altLang="en-US" sz="4000" b="1" dirty="0">
+              <a:t>我投靠在祢翅膀蔭下</a:t>
+            </a:r>
+            <a:endParaRPr lang="en-US" altLang="zh-TW" sz="4800" b="1" dirty="0">
+              <a:solidFill>
+                <a:srgbClr val="660033"/>
+              </a:solidFill>
+              <a:latin typeface="微軟正黑體" pitchFamily="34" charset="-120"/>
+              <a:ea typeface="微軟正黑體" pitchFamily="34" charset="-120"/>
+            </a:endParaRPr>
+          </a:p>
+        </p:txBody>
+      </p:sp>
+    </p:spTree>
+    <p:extLst>
+      <p:ext uri="{BB962C8B-B14F-4D97-AF65-F5344CB8AC3E}">
+        <p14:creationId xmlns:p14="http://schemas.microsoft.com/office/powerpoint/2010/main" val="1310289627"/>
+      </p:ext>
+    </p:extLst>
+  </p:cSld>
+  <p:clrMapOvr>
+    <a:masterClrMapping/>
+  </p:clrMapOvr>
+</p:sld>
+</file>
+
+<file path=ppt/slides/slide3.xml><?xml version="1.0" encoding="utf-8"?>
+<p:sld xmlns:a="http://schemas.openxmlformats.org/drawingml/2006/main" xmlns:r="http://schemas.openxmlformats.org/officeDocument/2006/relationships" xmlns:p="http://schemas.openxmlformats.org/presentationml/2006/main">
+  <p:cSld>
+    <p:spTree>
+      <p:nvGrpSpPr>
+        <p:cNvPr id="1" name=""/>
+        <p:cNvGrpSpPr/>
+        <p:nvPr/>
+      </p:nvGrpSpPr>
+      <p:grpSpPr>
+        <a:xfrm>
+          <a:off x="0" y="0"/>
+          <a:ext cx="0" cy="0"/>
+          <a:chOff x="0" y="0"/>
+          <a:chExt cx="0" cy="0"/>
+        </a:xfrm>
+      </p:grpSpPr>
+      <p:sp>
+        <p:nvSpPr>
+          <p:cNvPr id="5" name="內容版面配置區 4"/>
+          <p:cNvSpPr>
+            <a:spLocks noGrp="1"/>
+          </p:cNvSpPr>
+          <p:nvPr>
+            <p:ph idx="1"/>
+          </p:nvPr>
+        </p:nvSpPr>
+        <p:spPr>
+          <a:xfrm>
+            <a:off x="0" y="1563638"/>
+            <a:ext cx="9144000" cy="1803647"/>
+          </a:xfrm>
+        </p:spPr>
+        <p:txBody>
+          <a:bodyPr anchor="ctr">
+            <a:normAutofit/>
+          </a:bodyPr>
+          <a:lstStyle/>
+          <a:p>
+            <a:pPr algn="ctr">
+              <a:buNone/>
+            </a:pPr>
+            <a:r>
+              <a:rPr lang="zh-TW" altLang="en-US" sz="4800" b="1" dirty="0">
                 <a:solidFill>
-                  <a:srgbClr val="000066"/>
+                  <a:srgbClr val="660033"/>
                 </a:solidFill>
                 <a:latin typeface="微軟正黑體" pitchFamily="34" charset="-120"/>
                 <a:ea typeface="微軟正黑體" pitchFamily="34" charset="-120"/>
               </a:rPr>
-              <a:t>著為王</a:t>
-            </a:r>
-          </a:p>
-        </p:txBody>
-      </p:sp>
-      <p:sp>
-        <p:nvSpPr>
-          <p:cNvPr id="5" name="內容版面配置區 4"/>
-          <p:cNvSpPr>
-            <a:spLocks noGrp="1"/>
-          </p:cNvSpPr>
-          <p:nvPr>
-            <p:ph idx="1"/>
-          </p:nvPr>
-        </p:nvSpPr>
-        <p:spPr/>
-        <p:txBody>
-          <a:bodyPr>
-            <a:noAutofit/>
-          </a:bodyPr>
-          <a:lstStyle/>
+              <a:t>當我迴轉  一宿雖然有哭泣</a:t>
+            </a:r>
+            <a:endParaRPr lang="en-US" altLang="zh-TW" sz="4800" b="1" dirty="0">
+              <a:solidFill>
+                <a:srgbClr val="660033"/>
+              </a:solidFill>
+              <a:latin typeface="微軟正黑體" pitchFamily="34" charset="-120"/>
+              <a:ea typeface="微軟正黑體" pitchFamily="34" charset="-120"/>
+            </a:endParaRPr>
+          </a:p>
           <a:p>
             <a:pPr algn="ctr">
               <a:buNone/>
@@ -3449,34 +3324,164 @@
             <a:r>
               <a:rPr lang="zh-TW" altLang="en-US" sz="4800" b="1" dirty="0">
                 <a:solidFill>
-                  <a:srgbClr val="000066"/>
+                  <a:srgbClr val="660033"/>
                 </a:solidFill>
                 <a:latin typeface="微軟正黑體" pitchFamily="34" charset="-120"/>
                 <a:ea typeface="微軟正黑體" pitchFamily="34" charset="-120"/>
               </a:rPr>
-              <a:t>祢坐著為</a:t>
-            </a:r>
-            <a:r>
-              <a:rPr lang="zh-TW" altLang="en-US" sz="4800" b="1" dirty="0" smtClean="0">
+              <a:t>早晨必歡呼喜樂</a:t>
+            </a:r>
+            <a:endParaRPr lang="zh-TW" altLang="en-US" sz="4800" b="1" dirty="0">
+              <a:solidFill>
+                <a:srgbClr val="660033"/>
+              </a:solidFill>
+              <a:latin typeface="微軟正黑體" pitchFamily="34" charset="-120"/>
+              <a:ea typeface="微軟正黑體" pitchFamily="34" charset="-120"/>
+            </a:endParaRPr>
+          </a:p>
+        </p:txBody>
+      </p:sp>
+    </p:spTree>
+    <p:extLst>
+      <p:ext uri="{BB962C8B-B14F-4D97-AF65-F5344CB8AC3E}">
+        <p14:creationId xmlns:p14="http://schemas.microsoft.com/office/powerpoint/2010/main" val="1898324479"/>
+      </p:ext>
+    </p:extLst>
+  </p:cSld>
+  <p:clrMapOvr>
+    <a:masterClrMapping/>
+  </p:clrMapOvr>
+</p:sld>
+</file>
+
+<file path=ppt/slides/slide4.xml><?xml version="1.0" encoding="utf-8"?>
+<p:sld xmlns:a="http://schemas.openxmlformats.org/drawingml/2006/main" xmlns:r="http://schemas.openxmlformats.org/officeDocument/2006/relationships" xmlns:p="http://schemas.openxmlformats.org/presentationml/2006/main">
+  <p:cSld>
+    <p:spTree>
+      <p:nvGrpSpPr>
+        <p:cNvPr id="1" name=""/>
+        <p:cNvGrpSpPr/>
+        <p:nvPr/>
+      </p:nvGrpSpPr>
+      <p:grpSpPr>
+        <a:xfrm>
+          <a:off x="0" y="0"/>
+          <a:ext cx="0" cy="0"/>
+          <a:chOff x="0" y="0"/>
+          <a:chExt cx="0" cy="0"/>
+        </a:xfrm>
+      </p:grpSpPr>
+      <p:sp>
+        <p:nvSpPr>
+          <p:cNvPr id="5" name="內容版面配置區 4"/>
+          <p:cNvSpPr>
+            <a:spLocks noGrp="1"/>
+          </p:cNvSpPr>
+          <p:nvPr>
+            <p:ph idx="1"/>
+          </p:nvPr>
+        </p:nvSpPr>
+        <p:spPr>
+          <a:xfrm>
+            <a:off x="0" y="1563638"/>
+            <a:ext cx="9144000" cy="1803647"/>
+          </a:xfrm>
+        </p:spPr>
+        <p:txBody>
+          <a:bodyPr anchor="ctr">
+            <a:normAutofit/>
+          </a:bodyPr>
+          <a:lstStyle/>
+          <a:p>
+            <a:pPr algn="ctr">
+              <a:buNone/>
+            </a:pPr>
+            <a:r>
+              <a:rPr lang="zh-TW" altLang="en-US" sz="4800" b="1" dirty="0">
                 <a:solidFill>
-                  <a:srgbClr val="000066"/>
+                  <a:srgbClr val="660033"/>
                 </a:solidFill>
                 <a:latin typeface="微軟正黑體" pitchFamily="34" charset="-120"/>
                 <a:ea typeface="微軟正黑體" pitchFamily="34" charset="-120"/>
               </a:rPr>
-              <a:t>王  到</a:t>
-            </a:r>
+              <a:t>祢坐著為王  到永永遠遠</a:t>
+            </a:r>
+          </a:p>
+          <a:p>
+            <a:pPr algn="ctr">
+              <a:buNone/>
+            </a:pPr>
             <a:r>
               <a:rPr lang="zh-TW" altLang="en-US" sz="4800" b="1" dirty="0">
                 <a:solidFill>
-                  <a:srgbClr val="000066"/>
+                  <a:srgbClr val="660033"/>
                 </a:solidFill>
                 <a:latin typeface="微軟正黑體" pitchFamily="34" charset="-120"/>
                 <a:ea typeface="微軟正黑體" pitchFamily="34" charset="-120"/>
               </a:rPr>
-              <a:t>永永遠遠</a:t>
-            </a:r>
-          </a:p>
+              <a:t>雖洪水翻騰  我堅定仰望祢</a:t>
+            </a:r>
+            <a:endParaRPr lang="zh-TW" altLang="en-US" sz="4800" b="1" dirty="0">
+              <a:solidFill>
+                <a:srgbClr val="660033"/>
+              </a:solidFill>
+              <a:latin typeface="微軟正黑體" pitchFamily="34" charset="-120"/>
+              <a:ea typeface="微軟正黑體" pitchFamily="34" charset="-120"/>
+            </a:endParaRPr>
+          </a:p>
+        </p:txBody>
+      </p:sp>
+    </p:spTree>
+    <p:extLst>
+      <p:ext uri="{BB962C8B-B14F-4D97-AF65-F5344CB8AC3E}">
+        <p14:creationId xmlns:p14="http://schemas.microsoft.com/office/powerpoint/2010/main" val="33058934"/>
+      </p:ext>
+    </p:extLst>
+  </p:cSld>
+  <p:clrMapOvr>
+    <a:masterClrMapping/>
+  </p:clrMapOvr>
+</p:sld>
+</file>
+
+<file path=ppt/slides/slide5.xml><?xml version="1.0" encoding="utf-8"?>
+<p:sld xmlns:a="http://schemas.openxmlformats.org/drawingml/2006/main" xmlns:r="http://schemas.openxmlformats.org/officeDocument/2006/relationships" xmlns:p="http://schemas.openxmlformats.org/presentationml/2006/main">
+  <p:cSld>
+    <p:spTree>
+      <p:nvGrpSpPr>
+        <p:cNvPr id="1" name=""/>
+        <p:cNvGrpSpPr/>
+        <p:nvPr/>
+      </p:nvGrpSpPr>
+      <p:grpSpPr>
+        <a:xfrm>
+          <a:off x="0" y="0"/>
+          <a:ext cx="0" cy="0"/>
+          <a:chOff x="0" y="0"/>
+          <a:chExt cx="0" cy="0"/>
+        </a:xfrm>
+      </p:grpSpPr>
+      <p:sp>
+        <p:nvSpPr>
+          <p:cNvPr id="5" name="內容版面配置區 4"/>
+          <p:cNvSpPr>
+            <a:spLocks noGrp="1"/>
+          </p:cNvSpPr>
+          <p:nvPr>
+            <p:ph idx="1"/>
+          </p:nvPr>
+        </p:nvSpPr>
+        <p:spPr>
+          <a:xfrm>
+            <a:off x="0" y="1563638"/>
+            <a:ext cx="9144000" cy="1803647"/>
+          </a:xfrm>
+        </p:spPr>
+        <p:txBody>
+          <a:bodyPr anchor="ctr">
+            <a:normAutofit/>
+          </a:bodyPr>
+          <a:lstStyle/>
           <a:p>
             <a:pPr algn="ctr">
               <a:buNone/>
@@ -3484,107 +3489,44 @@
             <a:r>
               <a:rPr lang="zh-TW" altLang="en-US" sz="4800" b="1" dirty="0">
                 <a:solidFill>
-                  <a:srgbClr val="000066"/>
+                  <a:srgbClr val="660033"/>
                 </a:solidFill>
                 <a:latin typeface="微軟正黑體" pitchFamily="34" charset="-120"/>
                 <a:ea typeface="微軟正黑體" pitchFamily="34" charset="-120"/>
               </a:rPr>
-              <a:t>雖洪水</a:t>
-            </a:r>
-            <a:r>
-              <a:rPr lang="zh-TW" altLang="en-US" sz="4800" b="1" dirty="0" smtClean="0">
+              <a:t>祢坐著為王  垂聽我呼求</a:t>
+            </a:r>
+          </a:p>
+          <a:p>
+            <a:pPr algn="ctr">
+              <a:buNone/>
+            </a:pPr>
+            <a:r>
+              <a:rPr lang="zh-TW" altLang="en-US" sz="4800" b="1" dirty="0">
                 <a:solidFill>
-                  <a:srgbClr val="000066"/>
+                  <a:srgbClr val="660033"/>
                 </a:solidFill>
                 <a:latin typeface="微軟正黑體" pitchFamily="34" charset="-120"/>
                 <a:ea typeface="微軟正黑體" pitchFamily="34" charset="-120"/>
               </a:rPr>
-              <a:t>翻騰  我</a:t>
-            </a:r>
-            <a:r>
-              <a:rPr lang="zh-TW" altLang="en-US" sz="4800" b="1" dirty="0">
-                <a:solidFill>
-                  <a:srgbClr val="000066"/>
-                </a:solidFill>
-                <a:latin typeface="微軟正黑體" pitchFamily="34" charset="-120"/>
-                <a:ea typeface="微軟正黑體" pitchFamily="34" charset="-120"/>
-              </a:rPr>
-              <a:t>堅定仰望祢</a:t>
-            </a:r>
-          </a:p>
-          <a:p>
-            <a:pPr algn="ctr">
-              <a:buNone/>
-            </a:pPr>
-            <a:r>
-              <a:rPr lang="zh-TW" altLang="en-US" sz="4800" b="1" dirty="0">
-                <a:solidFill>
-                  <a:srgbClr val="000066"/>
-                </a:solidFill>
-                <a:latin typeface="微軟正黑體" pitchFamily="34" charset="-120"/>
-                <a:ea typeface="微軟正黑體" pitchFamily="34" charset="-120"/>
-              </a:rPr>
-              <a:t>祢坐著為</a:t>
-            </a:r>
-            <a:r>
-              <a:rPr lang="zh-TW" altLang="en-US" sz="4800" b="1" dirty="0" smtClean="0">
-                <a:solidFill>
-                  <a:srgbClr val="000066"/>
-                </a:solidFill>
-                <a:latin typeface="微軟正黑體" pitchFamily="34" charset="-120"/>
-                <a:ea typeface="微軟正黑體" pitchFamily="34" charset="-120"/>
-              </a:rPr>
-              <a:t>王  垂</a:t>
-            </a:r>
-            <a:r>
-              <a:rPr lang="zh-TW" altLang="en-US" sz="4800" b="1" dirty="0">
-                <a:solidFill>
-                  <a:srgbClr val="000066"/>
-                </a:solidFill>
-                <a:latin typeface="微軟正黑體" pitchFamily="34" charset="-120"/>
-                <a:ea typeface="微軟正黑體" pitchFamily="34" charset="-120"/>
-              </a:rPr>
-              <a:t>聽我呼求</a:t>
-            </a:r>
-          </a:p>
-          <a:p>
-            <a:pPr algn="ctr">
-              <a:buNone/>
-            </a:pPr>
-            <a:r>
-              <a:rPr lang="zh-TW" altLang="en-US" sz="4800" b="1" dirty="0">
-                <a:solidFill>
-                  <a:srgbClr val="000066"/>
-                </a:solidFill>
-                <a:latin typeface="微軟正黑體" pitchFamily="34" charset="-120"/>
-                <a:ea typeface="微軟正黑體" pitchFamily="34" charset="-120"/>
-              </a:rPr>
-              <a:t>使我靈</a:t>
-            </a:r>
-            <a:r>
-              <a:rPr lang="zh-TW" altLang="en-US" sz="4800" b="1" dirty="0" smtClean="0">
-                <a:solidFill>
-                  <a:srgbClr val="000066"/>
-                </a:solidFill>
-                <a:latin typeface="微軟正黑體" pitchFamily="34" charset="-120"/>
-                <a:ea typeface="微軟正黑體" pitchFamily="34" charset="-120"/>
-              </a:rPr>
-              <a:t>甦醒  有</a:t>
-            </a:r>
-            <a:r>
-              <a:rPr lang="zh-TW" altLang="en-US" sz="4800" b="1" dirty="0">
-                <a:solidFill>
-                  <a:srgbClr val="000066"/>
-                </a:solidFill>
-                <a:latin typeface="微軟正黑體" pitchFamily="34" charset="-120"/>
-                <a:ea typeface="微軟正黑體" pitchFamily="34" charset="-120"/>
-              </a:rPr>
-              <a:t>復活的生命</a:t>
-            </a:r>
+              <a:t>使我靈甦醒  有復活的生命</a:t>
+            </a:r>
+            <a:endParaRPr lang="zh-TW" altLang="en-US" sz="4800" b="1" dirty="0">
+              <a:solidFill>
+                <a:srgbClr val="660033"/>
+              </a:solidFill>
+              <a:latin typeface="微軟正黑體" pitchFamily="34" charset="-120"/>
+              <a:ea typeface="微軟正黑體" pitchFamily="34" charset="-120"/>
+            </a:endParaRPr>
           </a:p>
         </p:txBody>
       </p:sp>
     </p:spTree>
+    <p:extLst>
+      <p:ext uri="{BB962C8B-B14F-4D97-AF65-F5344CB8AC3E}">
+        <p14:creationId xmlns:p14="http://schemas.microsoft.com/office/powerpoint/2010/main" val="3914847952"/>
+      </p:ext>
+    </p:extLst>
   </p:cSld>
   <p:clrMapOvr>
     <a:masterClrMapping/>

--- a/你坐著為王.pptx
+++ b/你坐著為王.pptx
@@ -309,7 +309,7 @@
             <a:fld id="{9A8E5DD9-FF23-4686-8700-DF224CFA5617}" type="datetimeFigureOut">
               <a:rPr lang="zh-TW" altLang="en-US" smtClean="0"/>
               <a:pPr/>
-              <a:t>2021/6/3</a:t>
+              <a:t>2021/10/29</a:t>
             </a:fld>
             <a:endParaRPr lang="zh-TW" altLang="en-US"/>
           </a:p>
@@ -476,7 +476,7 @@
             <a:fld id="{9A8E5DD9-FF23-4686-8700-DF224CFA5617}" type="datetimeFigureOut">
               <a:rPr lang="zh-TW" altLang="en-US" smtClean="0"/>
               <a:pPr/>
-              <a:t>2021/6/3</a:t>
+              <a:t>2021/10/29</a:t>
             </a:fld>
             <a:endParaRPr lang="zh-TW" altLang="en-US"/>
           </a:p>
@@ -653,7 +653,7 @@
             <a:fld id="{9A8E5DD9-FF23-4686-8700-DF224CFA5617}" type="datetimeFigureOut">
               <a:rPr lang="zh-TW" altLang="en-US" smtClean="0"/>
               <a:pPr/>
-              <a:t>2021/6/3</a:t>
+              <a:t>2021/10/29</a:t>
             </a:fld>
             <a:endParaRPr lang="zh-TW" altLang="en-US"/>
           </a:p>
@@ -820,7 +820,7 @@
             <a:fld id="{9A8E5DD9-FF23-4686-8700-DF224CFA5617}" type="datetimeFigureOut">
               <a:rPr lang="zh-TW" altLang="en-US" smtClean="0"/>
               <a:pPr/>
-              <a:t>2021/6/3</a:t>
+              <a:t>2021/10/29</a:t>
             </a:fld>
             <a:endParaRPr lang="zh-TW" altLang="en-US"/>
           </a:p>
@@ -1063,7 +1063,7 @@
             <a:fld id="{9A8E5DD9-FF23-4686-8700-DF224CFA5617}" type="datetimeFigureOut">
               <a:rPr lang="zh-TW" altLang="en-US" smtClean="0"/>
               <a:pPr/>
-              <a:t>2021/6/3</a:t>
+              <a:t>2021/10/29</a:t>
             </a:fld>
             <a:endParaRPr lang="zh-TW" altLang="en-US"/>
           </a:p>
@@ -1348,7 +1348,7 @@
             <a:fld id="{9A8E5DD9-FF23-4686-8700-DF224CFA5617}" type="datetimeFigureOut">
               <a:rPr lang="zh-TW" altLang="en-US" smtClean="0"/>
               <a:pPr/>
-              <a:t>2021/6/3</a:t>
+              <a:t>2021/10/29</a:t>
             </a:fld>
             <a:endParaRPr lang="zh-TW" altLang="en-US"/>
           </a:p>
@@ -1767,7 +1767,7 @@
             <a:fld id="{9A8E5DD9-FF23-4686-8700-DF224CFA5617}" type="datetimeFigureOut">
               <a:rPr lang="zh-TW" altLang="en-US" smtClean="0"/>
               <a:pPr/>
-              <a:t>2021/6/3</a:t>
+              <a:t>2021/10/29</a:t>
             </a:fld>
             <a:endParaRPr lang="zh-TW" altLang="en-US"/>
           </a:p>
@@ -1882,7 +1882,7 @@
             <a:fld id="{9A8E5DD9-FF23-4686-8700-DF224CFA5617}" type="datetimeFigureOut">
               <a:rPr lang="zh-TW" altLang="en-US" smtClean="0"/>
               <a:pPr/>
-              <a:t>2021/6/3</a:t>
+              <a:t>2021/10/29</a:t>
             </a:fld>
             <a:endParaRPr lang="zh-TW" altLang="en-US"/>
           </a:p>
@@ -1974,7 +1974,7 @@
             <a:fld id="{9A8E5DD9-FF23-4686-8700-DF224CFA5617}" type="datetimeFigureOut">
               <a:rPr lang="zh-TW" altLang="en-US" smtClean="0"/>
               <a:pPr/>
-              <a:t>2021/6/3</a:t>
+              <a:t>2021/10/29</a:t>
             </a:fld>
             <a:endParaRPr lang="zh-TW" altLang="en-US"/>
           </a:p>
@@ -2248,7 +2248,7 @@
             <a:fld id="{9A8E5DD9-FF23-4686-8700-DF224CFA5617}" type="datetimeFigureOut">
               <a:rPr lang="zh-TW" altLang="en-US" smtClean="0"/>
               <a:pPr/>
-              <a:t>2021/6/3</a:t>
+              <a:t>2021/10/29</a:t>
             </a:fld>
             <a:endParaRPr lang="zh-TW" altLang="en-US"/>
           </a:p>
@@ -2502,7 +2502,7 @@
             <a:fld id="{9A8E5DD9-FF23-4686-8700-DF224CFA5617}" type="datetimeFigureOut">
               <a:rPr lang="zh-TW" altLang="en-US" smtClean="0"/>
               <a:pPr/>
-              <a:t>2021/6/3</a:t>
+              <a:t>2021/10/29</a:t>
             </a:fld>
             <a:endParaRPr lang="zh-TW" altLang="en-US"/>
           </a:p>
@@ -2717,7 +2717,7 @@
             <a:fld id="{9A8E5DD9-FF23-4686-8700-DF224CFA5617}" type="datetimeFigureOut">
               <a:rPr lang="zh-TW" altLang="en-US" smtClean="0"/>
               <a:pPr/>
-              <a:t>2021/6/3</a:t>
+              <a:t>2021/10/29</a:t>
             </a:fld>
             <a:endParaRPr lang="zh-TW" altLang="en-US"/>
           </a:p>
@@ -3244,6 +3244,72 @@
           </a:p>
         </p:txBody>
       </p:sp>
+      <p:sp>
+        <p:nvSpPr>
+          <p:cNvPr id="3" name="TextBox 2"/>
+          <p:cNvSpPr txBox="1"/>
+          <p:nvPr/>
+        </p:nvSpPr>
+        <p:spPr>
+          <a:xfrm>
+            <a:off x="0" y="3795886"/>
+            <a:ext cx="9144000" cy="646331"/>
+          </a:xfrm>
+          <a:prstGeom prst="rect">
+            <a:avLst/>
+          </a:prstGeom>
+          <a:noFill/>
+        </p:spPr>
+        <p:txBody>
+          <a:bodyPr wrap="square" rtlCol="0">
+            <a:spAutoFit/>
+          </a:bodyPr>
+          <a:lstStyle/>
+          <a:p>
+            <a:pPr algn="ctr"/>
+            <a:r>
+              <a:rPr lang="en-US" sz="3600" b="1" dirty="0">
+                <a:solidFill>
+                  <a:srgbClr val="660033"/>
+                </a:solidFill>
+                <a:effectLst/>
+                <a:latin typeface="Microsoft JhengHei" panose="020B0604030504040204" pitchFamily="34" charset="-120"/>
+                <a:ea typeface="Microsoft JhengHei" panose="020B0604030504040204" pitchFamily="34" charset="-120"/>
+              </a:rPr>
+              <a:t>( </a:t>
+            </a:r>
+            <a:r>
+              <a:rPr lang="zh-CN" altLang="en-US" sz="3600" b="1" dirty="0">
+                <a:solidFill>
+                  <a:srgbClr val="660033"/>
+                </a:solidFill>
+                <a:effectLst/>
+                <a:latin typeface="Microsoft JhengHei" panose="020B0604030504040204" pitchFamily="34" charset="-120"/>
+                <a:ea typeface="Microsoft JhengHei" panose="020B0604030504040204" pitchFamily="34" charset="-120"/>
+              </a:rPr>
+              <a:t>正 </a:t>
+            </a:r>
+            <a:r>
+              <a:rPr lang="en-US" sz="3600" b="1" dirty="0">
+                <a:solidFill>
+                  <a:srgbClr val="660033"/>
+                </a:solidFill>
+                <a:effectLst/>
+                <a:latin typeface="Microsoft JhengHei" panose="020B0604030504040204" pitchFamily="34" charset="-120"/>
+                <a:ea typeface="Microsoft JhengHei" panose="020B0604030504040204" pitchFamily="34" charset="-120"/>
+              </a:rPr>
+              <a:t>)</a:t>
+            </a:r>
+            <a:endParaRPr lang="vi-VN" sz="3600" b="1" dirty="0">
+              <a:solidFill>
+                <a:srgbClr val="660033"/>
+              </a:solidFill>
+              <a:effectLst/>
+              <a:ea typeface="Microsoft JhengHei" panose="020B0604030504040204" pitchFamily="34" charset="-120"/>
+            </a:endParaRPr>
+          </a:p>
+        </p:txBody>
+      </p:sp>
     </p:spTree>
     <p:extLst>
       <p:ext uri="{BB962C8B-B14F-4D97-AF65-F5344CB8AC3E}">
@@ -3331,12 +3397,71 @@
               </a:rPr>
               <a:t>早晨必歡呼喜樂</a:t>
             </a:r>
-            <a:endParaRPr lang="zh-TW" altLang="en-US" sz="4800" b="1" dirty="0">
+          </a:p>
+        </p:txBody>
+      </p:sp>
+      <p:sp>
+        <p:nvSpPr>
+          <p:cNvPr id="3" name="TextBox 2"/>
+          <p:cNvSpPr txBox="1"/>
+          <p:nvPr/>
+        </p:nvSpPr>
+        <p:spPr>
+          <a:xfrm>
+            <a:off x="0" y="3795886"/>
+            <a:ext cx="9144000" cy="646331"/>
+          </a:xfrm>
+          <a:prstGeom prst="rect">
+            <a:avLst/>
+          </a:prstGeom>
+          <a:noFill/>
+        </p:spPr>
+        <p:txBody>
+          <a:bodyPr wrap="square" rtlCol="0">
+            <a:spAutoFit/>
+          </a:bodyPr>
+          <a:lstStyle/>
+          <a:p>
+            <a:pPr algn="ctr"/>
+            <a:r>
+              <a:rPr lang="en-US" sz="3600" b="1" dirty="0">
+                <a:solidFill>
+                  <a:srgbClr val="660033"/>
+                </a:solidFill>
+                <a:effectLst/>
+                <a:latin typeface="Microsoft JhengHei" panose="020B0604030504040204" pitchFamily="34" charset="-120"/>
+                <a:ea typeface="Microsoft JhengHei" panose="020B0604030504040204" pitchFamily="34" charset="-120"/>
+              </a:rPr>
+              <a:t>( </a:t>
+            </a:r>
+            <a:r>
+              <a:rPr lang="zh-CN" altLang="en-US" sz="3600" b="1" dirty="0">
+                <a:solidFill>
+                  <a:srgbClr val="660033"/>
+                </a:solidFill>
+                <a:effectLst/>
+                <a:latin typeface="Microsoft JhengHei" panose="020B0604030504040204" pitchFamily="34" charset="-120"/>
+                <a:ea typeface="Microsoft JhengHei" panose="020B0604030504040204" pitchFamily="34" charset="-120"/>
+              </a:rPr>
+              <a:t>正 </a:t>
+            </a:r>
+            <a:r>
+              <a:rPr lang="en-US" sz="3600" b="1" dirty="0">
+                <a:solidFill>
+                  <a:srgbClr val="660033"/>
+                </a:solidFill>
+                <a:effectLst/>
+                <a:latin typeface="Microsoft JhengHei" panose="020B0604030504040204" pitchFamily="34" charset="-120"/>
+                <a:ea typeface="Microsoft JhengHei" panose="020B0604030504040204" pitchFamily="34" charset="-120"/>
+              </a:rPr>
+              <a:t>)</a:t>
+            </a:r>
+            <a:endParaRPr lang="vi-VN" sz="3600" b="1" dirty="0">
               <a:solidFill>
                 <a:srgbClr val="660033"/>
               </a:solidFill>
-              <a:latin typeface="微軟正黑體" pitchFamily="34" charset="-120"/>
-              <a:ea typeface="微軟正黑體" pitchFamily="34" charset="-120"/>
+              <a:effectLst/>
+              <a:ea typeface="Microsoft JhengHei" panose="020B0604030504040204" pitchFamily="34" charset="-120"/>
             </a:endParaRPr>
           </a:p>
         </p:txBody>
@@ -3421,12 +3546,71 @@
               </a:rPr>
               <a:t>雖洪水翻騰  我堅定仰望祢</a:t>
             </a:r>
-            <a:endParaRPr lang="zh-TW" altLang="en-US" sz="4800" b="1" dirty="0">
+          </a:p>
+        </p:txBody>
+      </p:sp>
+      <p:sp>
+        <p:nvSpPr>
+          <p:cNvPr id="3" name="TextBox 2"/>
+          <p:cNvSpPr txBox="1"/>
+          <p:nvPr/>
+        </p:nvSpPr>
+        <p:spPr>
+          <a:xfrm>
+            <a:off x="0" y="3795886"/>
+            <a:ext cx="9144000" cy="646331"/>
+          </a:xfrm>
+          <a:prstGeom prst="rect">
+            <a:avLst/>
+          </a:prstGeom>
+          <a:noFill/>
+        </p:spPr>
+        <p:txBody>
+          <a:bodyPr wrap="square" rtlCol="0">
+            <a:spAutoFit/>
+          </a:bodyPr>
+          <a:lstStyle/>
+          <a:p>
+            <a:pPr algn="ctr"/>
+            <a:r>
+              <a:rPr lang="en-US" sz="3600" b="1" dirty="0">
+                <a:solidFill>
+                  <a:srgbClr val="660033"/>
+                </a:solidFill>
+                <a:effectLst/>
+                <a:latin typeface="Microsoft JhengHei" panose="020B0604030504040204" pitchFamily="34" charset="-120"/>
+                <a:ea typeface="Microsoft JhengHei" panose="020B0604030504040204" pitchFamily="34" charset="-120"/>
+              </a:rPr>
+              <a:t>( </a:t>
+            </a:r>
+            <a:r>
+              <a:rPr lang="zh-CN" altLang="en-US" sz="3600" b="1" dirty="0" smtClean="0">
+                <a:solidFill>
+                  <a:srgbClr val="660033"/>
+                </a:solidFill>
+                <a:effectLst/>
+                <a:latin typeface="Microsoft JhengHei" panose="020B0604030504040204" pitchFamily="34" charset="-120"/>
+                <a:ea typeface="Microsoft JhengHei" panose="020B0604030504040204" pitchFamily="34" charset="-120"/>
+              </a:rPr>
+              <a:t>副 </a:t>
+            </a:r>
+            <a:r>
+              <a:rPr lang="en-US" sz="3600" b="1" dirty="0">
+                <a:solidFill>
+                  <a:srgbClr val="660033"/>
+                </a:solidFill>
+                <a:effectLst/>
+                <a:latin typeface="Microsoft JhengHei" panose="020B0604030504040204" pitchFamily="34" charset="-120"/>
+                <a:ea typeface="Microsoft JhengHei" panose="020B0604030504040204" pitchFamily="34" charset="-120"/>
+              </a:rPr>
+              <a:t>)</a:t>
+            </a:r>
+            <a:endParaRPr lang="vi-VN" sz="3600" b="1" dirty="0">
               <a:solidFill>
                 <a:srgbClr val="660033"/>
               </a:solidFill>
-              <a:latin typeface="微軟正黑體" pitchFamily="34" charset="-120"/>
-              <a:ea typeface="微軟正黑體" pitchFamily="34" charset="-120"/>
+              <a:effectLst/>
+              <a:ea typeface="Microsoft JhengHei" panose="020B0604030504040204" pitchFamily="34" charset="-120"/>
             </a:endParaRPr>
           </a:p>
         </p:txBody>
@@ -3511,12 +3695,71 @@
               </a:rPr>
               <a:t>使我靈甦醒  有復活的生命</a:t>
             </a:r>
-            <a:endParaRPr lang="zh-TW" altLang="en-US" sz="4800" b="1" dirty="0">
+          </a:p>
+        </p:txBody>
+      </p:sp>
+      <p:sp>
+        <p:nvSpPr>
+          <p:cNvPr id="3" name="TextBox 2"/>
+          <p:cNvSpPr txBox="1"/>
+          <p:nvPr/>
+        </p:nvSpPr>
+        <p:spPr>
+          <a:xfrm>
+            <a:off x="0" y="3795886"/>
+            <a:ext cx="9144000" cy="646331"/>
+          </a:xfrm>
+          <a:prstGeom prst="rect">
+            <a:avLst/>
+          </a:prstGeom>
+          <a:noFill/>
+        </p:spPr>
+        <p:txBody>
+          <a:bodyPr wrap="square" rtlCol="0">
+            <a:spAutoFit/>
+          </a:bodyPr>
+          <a:lstStyle/>
+          <a:p>
+            <a:pPr algn="ctr"/>
+            <a:r>
+              <a:rPr lang="en-US" sz="3600" b="1" dirty="0">
+                <a:solidFill>
+                  <a:srgbClr val="660033"/>
+                </a:solidFill>
+                <a:effectLst/>
+                <a:latin typeface="Microsoft JhengHei" panose="020B0604030504040204" pitchFamily="34" charset="-120"/>
+                <a:ea typeface="Microsoft JhengHei" panose="020B0604030504040204" pitchFamily="34" charset="-120"/>
+              </a:rPr>
+              <a:t>( </a:t>
+            </a:r>
+            <a:r>
+              <a:rPr lang="zh-CN" altLang="en-US" sz="3600" b="1" dirty="0" smtClean="0">
+                <a:solidFill>
+                  <a:srgbClr val="660033"/>
+                </a:solidFill>
+                <a:effectLst/>
+                <a:latin typeface="Microsoft JhengHei" panose="020B0604030504040204" pitchFamily="34" charset="-120"/>
+                <a:ea typeface="Microsoft JhengHei" panose="020B0604030504040204" pitchFamily="34" charset="-120"/>
+              </a:rPr>
+              <a:t>副 </a:t>
+            </a:r>
+            <a:r>
+              <a:rPr lang="en-US" sz="3600" b="1" dirty="0">
+                <a:solidFill>
+                  <a:srgbClr val="660033"/>
+                </a:solidFill>
+                <a:effectLst/>
+                <a:latin typeface="Microsoft JhengHei" panose="020B0604030504040204" pitchFamily="34" charset="-120"/>
+                <a:ea typeface="Microsoft JhengHei" panose="020B0604030504040204" pitchFamily="34" charset="-120"/>
+              </a:rPr>
+              <a:t>)</a:t>
+            </a:r>
+            <a:endParaRPr lang="vi-VN" sz="3600" b="1" dirty="0">
               <a:solidFill>
                 <a:srgbClr val="660033"/>
               </a:solidFill>
-              <a:latin typeface="微軟正黑體" pitchFamily="34" charset="-120"/>
-              <a:ea typeface="微軟正黑體" pitchFamily="34" charset="-120"/>
+              <a:effectLst/>
+              <a:ea typeface="Microsoft JhengHei" panose="020B0604030504040204" pitchFamily="34" charset="-120"/>
             </a:endParaRPr>
           </a:p>
         </p:txBody>

--- a/你坐著為王.pptx
+++ b/你坐著為王.pptx
@@ -309,7 +309,7 @@
             <a:fld id="{9A8E5DD9-FF23-4686-8700-DF224CFA5617}" type="datetimeFigureOut">
               <a:rPr lang="zh-TW" altLang="en-US" smtClean="0"/>
               <a:pPr/>
-              <a:t>2021/10/29</a:t>
+              <a:t>2022/6/9</a:t>
             </a:fld>
             <a:endParaRPr lang="zh-TW" altLang="en-US"/>
           </a:p>
@@ -476,7 +476,7 @@
             <a:fld id="{9A8E5DD9-FF23-4686-8700-DF224CFA5617}" type="datetimeFigureOut">
               <a:rPr lang="zh-TW" altLang="en-US" smtClean="0"/>
               <a:pPr/>
-              <a:t>2021/10/29</a:t>
+              <a:t>2022/6/9</a:t>
             </a:fld>
             <a:endParaRPr lang="zh-TW" altLang="en-US"/>
           </a:p>
@@ -653,7 +653,7 @@
             <a:fld id="{9A8E5DD9-FF23-4686-8700-DF224CFA5617}" type="datetimeFigureOut">
               <a:rPr lang="zh-TW" altLang="en-US" smtClean="0"/>
               <a:pPr/>
-              <a:t>2021/10/29</a:t>
+              <a:t>2022/6/9</a:t>
             </a:fld>
             <a:endParaRPr lang="zh-TW" altLang="en-US"/>
           </a:p>
@@ -820,7 +820,7 @@
             <a:fld id="{9A8E5DD9-FF23-4686-8700-DF224CFA5617}" type="datetimeFigureOut">
               <a:rPr lang="zh-TW" altLang="en-US" smtClean="0"/>
               <a:pPr/>
-              <a:t>2021/10/29</a:t>
+              <a:t>2022/6/9</a:t>
             </a:fld>
             <a:endParaRPr lang="zh-TW" altLang="en-US"/>
           </a:p>
@@ -1063,7 +1063,7 @@
             <a:fld id="{9A8E5DD9-FF23-4686-8700-DF224CFA5617}" type="datetimeFigureOut">
               <a:rPr lang="zh-TW" altLang="en-US" smtClean="0"/>
               <a:pPr/>
-              <a:t>2021/10/29</a:t>
+              <a:t>2022/6/9</a:t>
             </a:fld>
             <a:endParaRPr lang="zh-TW" altLang="en-US"/>
           </a:p>
@@ -1348,7 +1348,7 @@
             <a:fld id="{9A8E5DD9-FF23-4686-8700-DF224CFA5617}" type="datetimeFigureOut">
               <a:rPr lang="zh-TW" altLang="en-US" smtClean="0"/>
               <a:pPr/>
-              <a:t>2021/10/29</a:t>
+              <a:t>2022/6/9</a:t>
             </a:fld>
             <a:endParaRPr lang="zh-TW" altLang="en-US"/>
           </a:p>
@@ -1767,7 +1767,7 @@
             <a:fld id="{9A8E5DD9-FF23-4686-8700-DF224CFA5617}" type="datetimeFigureOut">
               <a:rPr lang="zh-TW" altLang="en-US" smtClean="0"/>
               <a:pPr/>
-              <a:t>2021/10/29</a:t>
+              <a:t>2022/6/9</a:t>
             </a:fld>
             <a:endParaRPr lang="zh-TW" altLang="en-US"/>
           </a:p>
@@ -1882,7 +1882,7 @@
             <a:fld id="{9A8E5DD9-FF23-4686-8700-DF224CFA5617}" type="datetimeFigureOut">
               <a:rPr lang="zh-TW" altLang="en-US" smtClean="0"/>
               <a:pPr/>
-              <a:t>2021/10/29</a:t>
+              <a:t>2022/6/9</a:t>
             </a:fld>
             <a:endParaRPr lang="zh-TW" altLang="en-US"/>
           </a:p>
@@ -1974,7 +1974,7 @@
             <a:fld id="{9A8E5DD9-FF23-4686-8700-DF224CFA5617}" type="datetimeFigureOut">
               <a:rPr lang="zh-TW" altLang="en-US" smtClean="0"/>
               <a:pPr/>
-              <a:t>2021/10/29</a:t>
+              <a:t>2022/6/9</a:t>
             </a:fld>
             <a:endParaRPr lang="zh-TW" altLang="en-US"/>
           </a:p>
@@ -2248,7 +2248,7 @@
             <a:fld id="{9A8E5DD9-FF23-4686-8700-DF224CFA5617}" type="datetimeFigureOut">
               <a:rPr lang="zh-TW" altLang="en-US" smtClean="0"/>
               <a:pPr/>
-              <a:t>2021/10/29</a:t>
+              <a:t>2022/6/9</a:t>
             </a:fld>
             <a:endParaRPr lang="zh-TW" altLang="en-US"/>
           </a:p>
@@ -2502,7 +2502,7 @@
             <a:fld id="{9A8E5DD9-FF23-4686-8700-DF224CFA5617}" type="datetimeFigureOut">
               <a:rPr lang="zh-TW" altLang="en-US" smtClean="0"/>
               <a:pPr/>
-              <a:t>2021/10/29</a:t>
+              <a:t>2022/6/9</a:t>
             </a:fld>
             <a:endParaRPr lang="zh-TW" altLang="en-US"/>
           </a:p>
@@ -2717,7 +2717,7 @@
             <a:fld id="{9A8E5DD9-FF23-4686-8700-DF224CFA5617}" type="datetimeFigureOut">
               <a:rPr lang="zh-TW" altLang="en-US" smtClean="0"/>
               <a:pPr/>
-              <a:t>2021/10/29</a:t>
+              <a:t>2022/6/9</a:t>
             </a:fld>
             <a:endParaRPr lang="zh-TW" altLang="en-US"/>
           </a:p>
@@ -3100,7 +3100,7 @@
         </p:nvSpPr>
         <p:spPr>
           <a:xfrm>
-            <a:off x="0" y="1995686"/>
+            <a:off x="0" y="2067694"/>
             <a:ext cx="9144000" cy="857250"/>
           </a:xfrm>
         </p:spPr>
